--- a/wireframe/Wireframe.pptx
+++ b/wireframe/Wireframe.pptx
@@ -108,6 +108,11 @@
       </a:defRPr>
     </a:lvl9pPr>
   </p:defaultTextStyle>
+  <p:extLst>
+    <p:ext uri="{EFAFB233-063F-42B5-8137-9DF3F51BA10A}">
+      <p15:sldGuideLst xmlns:p15="http://schemas.microsoft.com/office/powerpoint/2012/main"/>
+    </p:ext>
+  </p:extLst>
 </p:presentation>
 </file>
 
@@ -2970,20 +2975,22 @@
       </p:grpSpPr>
       <p:sp>
         <p:nvSpPr>
-          <p:cNvPr id="4" name="Rectangle 3"/>
+          <p:cNvPr id="5" name="Rectangle 4"/>
           <p:cNvSpPr/>
           <p:nvPr/>
         </p:nvSpPr>
         <p:spPr>
           <a:xfrm>
-            <a:off x="0" y="0"/>
-            <a:ext cx="12192000" cy="685800"/>
+            <a:off x="0" y="685800"/>
+            <a:ext cx="2438400" cy="6172200"/>
           </a:xfrm>
           <a:prstGeom prst="rect">
             <a:avLst/>
           </a:prstGeom>
           <a:solidFill>
-            <a:schemeClr val="tx1"/>
+            <a:schemeClr val="bg2">
+              <a:lumMod val="75000"/>
+            </a:schemeClr>
           </a:solidFill>
         </p:spPr>
         <p:style>
@@ -3006,32 +3013,27 @@
           <a:bodyPr rtlCol="0" anchor="ctr"/>
           <a:lstStyle/>
           <a:p>
-            <a:r>
-              <a:rPr lang="en-US" sz="2400" dirty="0" smtClean="0"/>
-              <a:t>GIDEON – Global Impact Detection from Emitted Light, Onset of COVID, and NO2</a:t>
-            </a:r>
-            <a:endParaRPr lang="en-US" sz="2400" dirty="0"/>
-          </a:p>
-        </p:txBody>
-      </p:sp>
-      <p:sp>
-        <p:nvSpPr>
-          <p:cNvPr id="5" name="Rectangle 4"/>
+            <a:pPr algn="ctr"/>
+            <a:endParaRPr lang="en-US"/>
+          </a:p>
+        </p:txBody>
+      </p:sp>
+      <p:sp>
+        <p:nvSpPr>
+          <p:cNvPr id="6" name="Rectangle 5"/>
           <p:cNvSpPr/>
           <p:nvPr/>
         </p:nvSpPr>
         <p:spPr>
           <a:xfrm>
-            <a:off x="0" y="685800"/>
-            <a:ext cx="2438400" cy="6172200"/>
+            <a:off x="2438400" y="6172200"/>
+            <a:ext cx="9753600" cy="685800"/>
           </a:xfrm>
           <a:prstGeom prst="rect">
             <a:avLst/>
           </a:prstGeom>
           <a:solidFill>
-            <a:schemeClr val="bg2">
-              <a:lumMod val="75000"/>
-            </a:schemeClr>
+            <a:schemeClr val="tx1"/>
           </a:solidFill>
         </p:spPr>
         <p:style>
@@ -3054,27 +3056,36 @@
           <a:bodyPr rtlCol="0" anchor="ctr"/>
           <a:lstStyle/>
           <a:p>
-            <a:pPr algn="ctr"/>
-            <a:endParaRPr lang="en-US"/>
-          </a:p>
-        </p:txBody>
-      </p:sp>
-      <p:sp>
-        <p:nvSpPr>
-          <p:cNvPr id="6" name="Rectangle 5"/>
+            <a:r>
+              <a:rPr lang="en-US" sz="2400" dirty="0" smtClean="0">
+                <a:latin typeface="Roboto Condensed Light" panose="02000000000000000000" pitchFamily="2" charset="0"/>
+                <a:ea typeface="Roboto Condensed Light" panose="02000000000000000000" pitchFamily="2" charset="0"/>
+              </a:rPr>
+              <a:t>Team GIDEON</a:t>
+            </a:r>
+            <a:endParaRPr lang="en-US" sz="2400" dirty="0">
+              <a:latin typeface="Roboto Condensed Light" panose="02000000000000000000" pitchFamily="2" charset="0"/>
+              <a:ea typeface="Roboto Condensed Light" panose="02000000000000000000" pitchFamily="2" charset="0"/>
+            </a:endParaRPr>
+          </a:p>
+        </p:txBody>
+      </p:sp>
+      <p:sp>
+        <p:nvSpPr>
+          <p:cNvPr id="7" name="Rounded Rectangle 6"/>
           <p:cNvSpPr/>
           <p:nvPr/>
         </p:nvSpPr>
         <p:spPr>
           <a:xfrm>
-            <a:off x="2438400" y="6172200"/>
-            <a:ext cx="9753600" cy="685800"/>
-          </a:xfrm>
-          <a:prstGeom prst="rect">
+            <a:off x="2819400" y="1308099"/>
+            <a:ext cx="2717800" cy="1886473"/>
+          </a:xfrm>
+          <a:prstGeom prst="roundRect">
             <a:avLst/>
           </a:prstGeom>
           <a:solidFill>
-            <a:schemeClr val="tx1"/>
+            <a:srgbClr val="92D050"/>
           </a:solidFill>
         </p:spPr>
         <p:style>
@@ -3094,33 +3105,83 @@
           </a:fontRef>
         </p:style>
         <p:txBody>
-          <a:bodyPr rtlCol="0" anchor="ctr"/>
-          <a:lstStyle/>
-          <a:p>
-            <a:r>
-              <a:rPr lang="en-US" sz="2400" dirty="0" smtClean="0"/>
-              <a:t>Team GIDEON</a:t>
-            </a:r>
-            <a:endParaRPr lang="en-US" sz="2400" dirty="0"/>
-          </a:p>
-        </p:txBody>
-      </p:sp>
-      <p:sp>
-        <p:nvSpPr>
-          <p:cNvPr id="7" name="Rounded Rectangle 6"/>
+          <a:bodyPr rtlCol="0" anchor="t"/>
+          <a:lstStyle/>
+          <a:p>
+            <a:pPr algn="ctr"/>
+            <a:r>
+              <a:rPr lang="en-US" dirty="0" smtClean="0">
+                <a:latin typeface="Roboto Condensed Light" panose="02000000000000000000" pitchFamily="2" charset="0"/>
+                <a:ea typeface="Roboto Condensed Light" panose="02000000000000000000" pitchFamily="2" charset="0"/>
+              </a:rPr>
+              <a:t>Philippines</a:t>
+            </a:r>
+          </a:p>
+          <a:p>
+            <a:r>
+              <a:rPr lang="en-US" sz="1600" dirty="0" smtClean="0">
+                <a:latin typeface="Roboto Condensed Light" panose="02000000000000000000" pitchFamily="2" charset="0"/>
+                <a:ea typeface="Roboto Condensed Light" panose="02000000000000000000" pitchFamily="2" charset="0"/>
+              </a:rPr>
+              <a:t>Risk: High</a:t>
+            </a:r>
+          </a:p>
+          <a:p>
+            <a:r>
+              <a:rPr lang="en-US" sz="1600" dirty="0" smtClean="0">
+                <a:latin typeface="Roboto Condensed Light" panose="02000000000000000000" pitchFamily="2" charset="0"/>
+                <a:ea typeface="Roboto Condensed Light" panose="02000000000000000000" pitchFamily="2" charset="0"/>
+              </a:rPr>
+              <a:t>GDP: -5%</a:t>
+            </a:r>
+          </a:p>
+          <a:p>
+            <a:r>
+              <a:rPr lang="en-US" sz="1600" dirty="0" err="1" smtClean="0">
+                <a:latin typeface="Roboto Condensed Light" panose="02000000000000000000" pitchFamily="2" charset="0"/>
+                <a:ea typeface="Roboto Condensed Light" panose="02000000000000000000" pitchFamily="2" charset="0"/>
+              </a:rPr>
+              <a:t>Covid</a:t>
+            </a:r>
+            <a:r>
+              <a:rPr lang="en-US" sz="1600" dirty="0" smtClean="0">
+                <a:latin typeface="Roboto Condensed Light" panose="02000000000000000000" pitchFamily="2" charset="0"/>
+                <a:ea typeface="Roboto Condensed Light" panose="02000000000000000000" pitchFamily="2" charset="0"/>
+              </a:rPr>
+              <a:t> Growth: +20%</a:t>
+            </a:r>
+          </a:p>
+          <a:p>
+            <a:r>
+              <a:rPr lang="en-US" sz="1600" dirty="0" smtClean="0">
+                <a:latin typeface="Roboto Condensed Light" panose="02000000000000000000" pitchFamily="2" charset="0"/>
+                <a:ea typeface="Roboto Condensed Light" panose="02000000000000000000" pitchFamily="2" charset="0"/>
+              </a:rPr>
+              <a:t>Pollution: Low</a:t>
+            </a:r>
+            <a:endParaRPr lang="en-US" sz="1600" dirty="0">
+              <a:latin typeface="Roboto Condensed Light" panose="02000000000000000000" pitchFamily="2" charset="0"/>
+              <a:ea typeface="Roboto Condensed Light" panose="02000000000000000000" pitchFamily="2" charset="0"/>
+            </a:endParaRPr>
+          </a:p>
+        </p:txBody>
+      </p:sp>
+      <p:sp>
+        <p:nvSpPr>
+          <p:cNvPr id="15" name="Rounded Rectangle 14"/>
           <p:cNvSpPr/>
           <p:nvPr/>
         </p:nvSpPr>
         <p:spPr>
           <a:xfrm>
-            <a:off x="2819400" y="1308099"/>
+            <a:off x="2819400" y="3428476"/>
             <a:ext cx="2717800" cy="1886473"/>
           </a:xfrm>
           <a:prstGeom prst="roundRect">
             <a:avLst/>
           </a:prstGeom>
           <a:solidFill>
-            <a:srgbClr val="92D050"/>
+            <a:srgbClr val="FFC000"/>
           </a:solidFill>
         </p:spPr>
         <p:style>
@@ -3145,57 +3206,99 @@
           <a:p>
             <a:pPr algn="ctr"/>
             <a:r>
-              <a:rPr lang="en-US" dirty="0" smtClean="0"/>
+              <a:rPr lang="en-US" dirty="0" smtClean="0">
+                <a:solidFill>
+                  <a:schemeClr val="tx1"/>
+                </a:solidFill>
+                <a:latin typeface="Roboto Condensed Light" panose="02000000000000000000" pitchFamily="2" charset="0"/>
+                <a:ea typeface="Roboto Condensed Light" panose="02000000000000000000" pitchFamily="2" charset="0"/>
+              </a:rPr>
               <a:t>Philippines</a:t>
             </a:r>
           </a:p>
           <a:p>
             <a:r>
-              <a:rPr lang="en-US" sz="1600" dirty="0" smtClean="0"/>
+              <a:rPr lang="en-US" sz="1600" dirty="0" smtClean="0">
+                <a:solidFill>
+                  <a:schemeClr val="tx1"/>
+                </a:solidFill>
+                <a:latin typeface="Roboto Condensed Light" panose="02000000000000000000" pitchFamily="2" charset="0"/>
+                <a:ea typeface="Roboto Condensed Light" panose="02000000000000000000" pitchFamily="2" charset="0"/>
+              </a:rPr>
               <a:t>Risk: High</a:t>
             </a:r>
           </a:p>
           <a:p>
             <a:r>
-              <a:rPr lang="en-US" sz="1600" dirty="0" smtClean="0"/>
+              <a:rPr lang="en-US" sz="1600" dirty="0" smtClean="0">
+                <a:solidFill>
+                  <a:schemeClr val="tx1"/>
+                </a:solidFill>
+                <a:latin typeface="Roboto Condensed Light" panose="02000000000000000000" pitchFamily="2" charset="0"/>
+                <a:ea typeface="Roboto Condensed Light" panose="02000000000000000000" pitchFamily="2" charset="0"/>
+              </a:rPr>
               <a:t>GDP: -5%</a:t>
             </a:r>
           </a:p>
           <a:p>
             <a:r>
-              <a:rPr lang="en-US" sz="1600" dirty="0" err="1" smtClean="0"/>
+              <a:rPr lang="en-US" sz="1600" dirty="0" err="1" smtClean="0">
+                <a:solidFill>
+                  <a:schemeClr val="tx1"/>
+                </a:solidFill>
+                <a:latin typeface="Roboto Condensed Light" panose="02000000000000000000" pitchFamily="2" charset="0"/>
+                <a:ea typeface="Roboto Condensed Light" panose="02000000000000000000" pitchFamily="2" charset="0"/>
+              </a:rPr>
               <a:t>Covid</a:t>
             </a:r>
             <a:r>
-              <a:rPr lang="en-US" sz="1600" dirty="0" smtClean="0"/>
+              <a:rPr lang="en-US" sz="1600" dirty="0" smtClean="0">
+                <a:solidFill>
+                  <a:schemeClr val="tx1"/>
+                </a:solidFill>
+                <a:latin typeface="Roboto Condensed Light" panose="02000000000000000000" pitchFamily="2" charset="0"/>
+                <a:ea typeface="Roboto Condensed Light" panose="02000000000000000000" pitchFamily="2" charset="0"/>
+              </a:rPr>
               <a:t> Growth: +20%</a:t>
             </a:r>
           </a:p>
           <a:p>
             <a:r>
-              <a:rPr lang="en-US" sz="1600" dirty="0" smtClean="0"/>
+              <a:rPr lang="en-US" sz="1600" dirty="0" smtClean="0">
+                <a:solidFill>
+                  <a:schemeClr val="tx1"/>
+                </a:solidFill>
+                <a:latin typeface="Roboto Condensed Light" panose="02000000000000000000" pitchFamily="2" charset="0"/>
+                <a:ea typeface="Roboto Condensed Light" panose="02000000000000000000" pitchFamily="2" charset="0"/>
+              </a:rPr>
               <a:t>Pollution: Low</a:t>
             </a:r>
-            <a:endParaRPr lang="en-US" sz="1600" dirty="0"/>
-          </a:p>
-        </p:txBody>
-      </p:sp>
-      <p:sp>
-        <p:nvSpPr>
-          <p:cNvPr id="15" name="Rounded Rectangle 14"/>
+            <a:endParaRPr lang="en-US" sz="1600" dirty="0">
+              <a:solidFill>
+                <a:schemeClr val="tx1"/>
+              </a:solidFill>
+              <a:latin typeface="Roboto Condensed Light" panose="02000000000000000000" pitchFamily="2" charset="0"/>
+              <a:ea typeface="Roboto Condensed Light" panose="02000000000000000000" pitchFamily="2" charset="0"/>
+            </a:endParaRPr>
+          </a:p>
+        </p:txBody>
+      </p:sp>
+      <p:sp>
+        <p:nvSpPr>
+          <p:cNvPr id="16" name="Rounded Rectangle 15"/>
           <p:cNvSpPr/>
           <p:nvPr/>
         </p:nvSpPr>
         <p:spPr>
           <a:xfrm>
-            <a:off x="2819400" y="3428476"/>
+            <a:off x="5803900" y="1308099"/>
             <a:ext cx="2717800" cy="1886473"/>
           </a:xfrm>
           <a:prstGeom prst="roundRect">
             <a:avLst/>
           </a:prstGeom>
           <a:solidFill>
-            <a:srgbClr val="FFC000"/>
+            <a:srgbClr val="C00000"/>
           </a:solidFill>
         </p:spPr>
         <p:style>
@@ -3221,9 +3324,8 @@
             <a:pPr algn="ctr"/>
             <a:r>
               <a:rPr lang="en-US" dirty="0" smtClean="0">
-                <a:solidFill>
-                  <a:schemeClr val="tx1"/>
-                </a:solidFill>
+                <a:latin typeface="Roboto Condensed Light" panose="02000000000000000000" pitchFamily="2" charset="0"/>
+                <a:ea typeface="Roboto Condensed Light" panose="02000000000000000000" pitchFamily="2" charset="0"/>
               </a:rPr>
               <a:t>Philippines</a:t>
             </a:r>
@@ -3231,9 +3333,8 @@
           <a:p>
             <a:r>
               <a:rPr lang="en-US" sz="1600" dirty="0" smtClean="0">
-                <a:solidFill>
-                  <a:schemeClr val="tx1"/>
-                </a:solidFill>
+                <a:latin typeface="Roboto Condensed Light" panose="02000000000000000000" pitchFamily="2" charset="0"/>
+                <a:ea typeface="Roboto Condensed Light" panose="02000000000000000000" pitchFamily="2" charset="0"/>
               </a:rPr>
               <a:t>Risk: High</a:t>
             </a:r>
@@ -3241,9 +3342,8 @@
           <a:p>
             <a:r>
               <a:rPr lang="en-US" sz="1600" dirty="0" smtClean="0">
-                <a:solidFill>
-                  <a:schemeClr val="tx1"/>
-                </a:solidFill>
+                <a:latin typeface="Roboto Condensed Light" panose="02000000000000000000" pitchFamily="2" charset="0"/>
+                <a:ea typeface="Roboto Condensed Light" panose="02000000000000000000" pitchFamily="2" charset="0"/>
               </a:rPr>
               <a:t>GDP: -5%</a:t>
             </a:r>
@@ -3251,17 +3351,15 @@
           <a:p>
             <a:r>
               <a:rPr lang="en-US" sz="1600" dirty="0" err="1" smtClean="0">
-                <a:solidFill>
-                  <a:schemeClr val="tx1"/>
-                </a:solidFill>
+                <a:latin typeface="Roboto Condensed Light" panose="02000000000000000000" pitchFamily="2" charset="0"/>
+                <a:ea typeface="Roboto Condensed Light" panose="02000000000000000000" pitchFamily="2" charset="0"/>
               </a:rPr>
               <a:t>Covid</a:t>
             </a:r>
             <a:r>
               <a:rPr lang="en-US" sz="1600" dirty="0" smtClean="0">
-                <a:solidFill>
-                  <a:schemeClr val="tx1"/>
-                </a:solidFill>
+                <a:latin typeface="Roboto Condensed Light" panose="02000000000000000000" pitchFamily="2" charset="0"/>
+                <a:ea typeface="Roboto Condensed Light" panose="02000000000000000000" pitchFamily="2" charset="0"/>
               </a:rPr>
               <a:t> Growth: +20%</a:t>
             </a:r>
@@ -3269,36 +3367,34 @@
           <a:p>
             <a:r>
               <a:rPr lang="en-US" sz="1600" dirty="0" smtClean="0">
-                <a:solidFill>
-                  <a:schemeClr val="tx1"/>
-                </a:solidFill>
+                <a:latin typeface="Roboto Condensed Light" panose="02000000000000000000" pitchFamily="2" charset="0"/>
+                <a:ea typeface="Roboto Condensed Light" panose="02000000000000000000" pitchFamily="2" charset="0"/>
               </a:rPr>
               <a:t>Pollution: Low</a:t>
             </a:r>
             <a:endParaRPr lang="en-US" sz="1600" dirty="0">
-              <a:solidFill>
-                <a:schemeClr val="tx1"/>
-              </a:solidFill>
+              <a:latin typeface="Roboto Condensed Light" panose="02000000000000000000" pitchFamily="2" charset="0"/>
+              <a:ea typeface="Roboto Condensed Light" panose="02000000000000000000" pitchFamily="2" charset="0"/>
             </a:endParaRPr>
           </a:p>
         </p:txBody>
       </p:sp>
       <p:sp>
         <p:nvSpPr>
-          <p:cNvPr id="16" name="Rounded Rectangle 15"/>
+          <p:cNvPr id="17" name="Rounded Rectangle 16"/>
           <p:cNvSpPr/>
           <p:nvPr/>
         </p:nvSpPr>
         <p:spPr>
           <a:xfrm>
-            <a:off x="5803900" y="1308099"/>
+            <a:off x="8902700" y="1244075"/>
             <a:ext cx="2717800" cy="1886473"/>
           </a:xfrm>
           <a:prstGeom prst="roundRect">
             <a:avLst/>
           </a:prstGeom>
           <a:solidFill>
-            <a:srgbClr val="C00000"/>
+            <a:srgbClr val="FFFF00"/>
           </a:solidFill>
         </p:spPr>
         <p:style>
@@ -3323,57 +3419,99 @@
           <a:p>
             <a:pPr algn="ctr"/>
             <a:r>
-              <a:rPr lang="en-US" dirty="0" smtClean="0"/>
+              <a:rPr lang="en-US" dirty="0" smtClean="0">
+                <a:solidFill>
+                  <a:schemeClr val="tx1"/>
+                </a:solidFill>
+                <a:latin typeface="Roboto Condensed Light" panose="02000000000000000000" pitchFamily="2" charset="0"/>
+                <a:ea typeface="Roboto Condensed Light" panose="02000000000000000000" pitchFamily="2" charset="0"/>
+              </a:rPr>
               <a:t>Philippines</a:t>
             </a:r>
           </a:p>
           <a:p>
             <a:r>
-              <a:rPr lang="en-US" sz="1600" dirty="0" smtClean="0"/>
+              <a:rPr lang="en-US" sz="1600" dirty="0" smtClean="0">
+                <a:solidFill>
+                  <a:schemeClr val="tx1"/>
+                </a:solidFill>
+                <a:latin typeface="Roboto Condensed Light" panose="02000000000000000000" pitchFamily="2" charset="0"/>
+                <a:ea typeface="Roboto Condensed Light" panose="02000000000000000000" pitchFamily="2" charset="0"/>
+              </a:rPr>
               <a:t>Risk: High</a:t>
             </a:r>
           </a:p>
           <a:p>
             <a:r>
-              <a:rPr lang="en-US" sz="1600" dirty="0" smtClean="0"/>
+              <a:rPr lang="en-US" sz="1600" dirty="0" smtClean="0">
+                <a:solidFill>
+                  <a:schemeClr val="tx1"/>
+                </a:solidFill>
+                <a:latin typeface="Roboto Condensed Light" panose="02000000000000000000" pitchFamily="2" charset="0"/>
+                <a:ea typeface="Roboto Condensed Light" panose="02000000000000000000" pitchFamily="2" charset="0"/>
+              </a:rPr>
               <a:t>GDP: -5%</a:t>
             </a:r>
           </a:p>
           <a:p>
             <a:r>
-              <a:rPr lang="en-US" sz="1600" dirty="0" err="1" smtClean="0"/>
+              <a:rPr lang="en-US" sz="1600" dirty="0" err="1" smtClean="0">
+                <a:solidFill>
+                  <a:schemeClr val="tx1"/>
+                </a:solidFill>
+                <a:latin typeface="Roboto Condensed Light" panose="02000000000000000000" pitchFamily="2" charset="0"/>
+                <a:ea typeface="Roboto Condensed Light" panose="02000000000000000000" pitchFamily="2" charset="0"/>
+              </a:rPr>
               <a:t>Covid</a:t>
             </a:r>
             <a:r>
-              <a:rPr lang="en-US" sz="1600" dirty="0" smtClean="0"/>
+              <a:rPr lang="en-US" sz="1600" dirty="0" smtClean="0">
+                <a:solidFill>
+                  <a:schemeClr val="tx1"/>
+                </a:solidFill>
+                <a:latin typeface="Roboto Condensed Light" panose="02000000000000000000" pitchFamily="2" charset="0"/>
+                <a:ea typeface="Roboto Condensed Light" panose="02000000000000000000" pitchFamily="2" charset="0"/>
+              </a:rPr>
               <a:t> Growth: +20%</a:t>
             </a:r>
           </a:p>
           <a:p>
             <a:r>
-              <a:rPr lang="en-US" sz="1600" dirty="0" smtClean="0"/>
+              <a:rPr lang="en-US" sz="1600" dirty="0" smtClean="0">
+                <a:solidFill>
+                  <a:schemeClr val="tx1"/>
+                </a:solidFill>
+                <a:latin typeface="Roboto Condensed Light" panose="02000000000000000000" pitchFamily="2" charset="0"/>
+                <a:ea typeface="Roboto Condensed Light" panose="02000000000000000000" pitchFamily="2" charset="0"/>
+              </a:rPr>
               <a:t>Pollution: Low</a:t>
             </a:r>
-            <a:endParaRPr lang="en-US" sz="1600" dirty="0"/>
-          </a:p>
-        </p:txBody>
-      </p:sp>
-      <p:sp>
-        <p:nvSpPr>
-          <p:cNvPr id="17" name="Rounded Rectangle 16"/>
+            <a:endParaRPr lang="en-US" sz="1600" dirty="0">
+              <a:solidFill>
+                <a:schemeClr val="tx1"/>
+              </a:solidFill>
+              <a:latin typeface="Roboto Condensed Light" panose="02000000000000000000" pitchFamily="2" charset="0"/>
+              <a:ea typeface="Roboto Condensed Light" panose="02000000000000000000" pitchFamily="2" charset="0"/>
+            </a:endParaRPr>
+          </a:p>
+        </p:txBody>
+      </p:sp>
+      <p:sp>
+        <p:nvSpPr>
+          <p:cNvPr id="18" name="Rounded Rectangle 17"/>
           <p:cNvSpPr/>
           <p:nvPr/>
         </p:nvSpPr>
         <p:spPr>
           <a:xfrm>
-            <a:off x="8902700" y="1244075"/>
+            <a:off x="5803900" y="3428476"/>
             <a:ext cx="2717800" cy="1886473"/>
           </a:xfrm>
           <a:prstGeom prst="roundRect">
             <a:avLst/>
           </a:prstGeom>
           <a:solidFill>
-            <a:srgbClr val="FFFF00"/>
+            <a:srgbClr val="C00000"/>
           </a:solidFill>
         </p:spPr>
         <p:style>
@@ -3399,9 +3537,8 @@
             <a:pPr algn="ctr"/>
             <a:r>
               <a:rPr lang="en-US" dirty="0" smtClean="0">
-                <a:solidFill>
-                  <a:schemeClr val="tx1"/>
-                </a:solidFill>
+                <a:latin typeface="Roboto Condensed Light" panose="02000000000000000000" pitchFamily="2" charset="0"/>
+                <a:ea typeface="Roboto Condensed Light" panose="02000000000000000000" pitchFamily="2" charset="0"/>
               </a:rPr>
               <a:t>Philippines</a:t>
             </a:r>
@@ -3409,9 +3546,8 @@
           <a:p>
             <a:r>
               <a:rPr lang="en-US" sz="1600" dirty="0" smtClean="0">
-                <a:solidFill>
-                  <a:schemeClr val="tx1"/>
-                </a:solidFill>
+                <a:latin typeface="Roboto Condensed Light" panose="02000000000000000000" pitchFamily="2" charset="0"/>
+                <a:ea typeface="Roboto Condensed Light" panose="02000000000000000000" pitchFamily="2" charset="0"/>
               </a:rPr>
               <a:t>Risk: High</a:t>
             </a:r>
@@ -3419,9 +3555,8 @@
           <a:p>
             <a:r>
               <a:rPr lang="en-US" sz="1600" dirty="0" smtClean="0">
-                <a:solidFill>
-                  <a:schemeClr val="tx1"/>
-                </a:solidFill>
+                <a:latin typeface="Roboto Condensed Light" panose="02000000000000000000" pitchFamily="2" charset="0"/>
+                <a:ea typeface="Roboto Condensed Light" panose="02000000000000000000" pitchFamily="2" charset="0"/>
               </a:rPr>
               <a:t>GDP: -5%</a:t>
             </a:r>
@@ -3429,17 +3564,15 @@
           <a:p>
             <a:r>
               <a:rPr lang="en-US" sz="1600" dirty="0" err="1" smtClean="0">
-                <a:solidFill>
-                  <a:schemeClr val="tx1"/>
-                </a:solidFill>
+                <a:latin typeface="Roboto Condensed Light" panose="02000000000000000000" pitchFamily="2" charset="0"/>
+                <a:ea typeface="Roboto Condensed Light" panose="02000000000000000000" pitchFamily="2" charset="0"/>
               </a:rPr>
               <a:t>Covid</a:t>
             </a:r>
             <a:r>
               <a:rPr lang="en-US" sz="1600" dirty="0" smtClean="0">
-                <a:solidFill>
-                  <a:schemeClr val="tx1"/>
-                </a:solidFill>
+                <a:latin typeface="Roboto Condensed Light" panose="02000000000000000000" pitchFamily="2" charset="0"/>
+                <a:ea typeface="Roboto Condensed Light" panose="02000000000000000000" pitchFamily="2" charset="0"/>
               </a:rPr>
               <a:t> Growth: +20%</a:t>
             </a:r>
@@ -3447,37 +3580,40 @@
           <a:p>
             <a:r>
               <a:rPr lang="en-US" sz="1600" dirty="0" smtClean="0">
-                <a:solidFill>
-                  <a:schemeClr val="tx1"/>
-                </a:solidFill>
+                <a:latin typeface="Roboto Condensed Light" panose="02000000000000000000" pitchFamily="2" charset="0"/>
+                <a:ea typeface="Roboto Condensed Light" panose="02000000000000000000" pitchFamily="2" charset="0"/>
               </a:rPr>
               <a:t>Pollution: Low</a:t>
             </a:r>
             <a:endParaRPr lang="en-US" sz="1600" dirty="0">
-              <a:solidFill>
-                <a:schemeClr val="tx1"/>
-              </a:solidFill>
+              <a:latin typeface="Roboto Condensed Light" panose="02000000000000000000" pitchFamily="2" charset="0"/>
+              <a:ea typeface="Roboto Condensed Light" panose="02000000000000000000" pitchFamily="2" charset="0"/>
             </a:endParaRPr>
           </a:p>
         </p:txBody>
       </p:sp>
       <p:sp>
         <p:nvSpPr>
-          <p:cNvPr id="18" name="Rounded Rectangle 17"/>
+          <p:cNvPr id="19" name="Rectangle 18"/>
           <p:cNvSpPr/>
           <p:nvPr/>
         </p:nvSpPr>
         <p:spPr>
           <a:xfrm>
-            <a:off x="5803900" y="3428476"/>
-            <a:ext cx="2717800" cy="1886473"/>
-          </a:xfrm>
-          <a:prstGeom prst="roundRect">
+            <a:off x="203200" y="952500"/>
+            <a:ext cx="2019300" cy="508000"/>
+          </a:xfrm>
+          <a:prstGeom prst="rect">
             <a:avLst/>
           </a:prstGeom>
           <a:solidFill>
-            <a:srgbClr val="C00000"/>
+            <a:schemeClr val="bg2">
+              <a:lumMod val="50000"/>
+            </a:schemeClr>
           </a:solidFill>
+          <a:ln>
+            <a:noFill/>
+          </a:ln>
         </p:spPr>
         <p:style>
           <a:lnRef idx="2">
@@ -3496,55 +3632,33 @@
           </a:fontRef>
         </p:style>
         <p:txBody>
-          <a:bodyPr rtlCol="0" anchor="t"/>
+          <a:bodyPr rtlCol="0" anchor="ctr"/>
           <a:lstStyle/>
           <a:p>
             <a:pPr algn="ctr"/>
             <a:r>
-              <a:rPr lang="en-US" dirty="0" smtClean="0"/>
-              <a:t>Philippines</a:t>
-            </a:r>
-          </a:p>
-          <a:p>
-            <a:r>
-              <a:rPr lang="en-US" sz="1600" dirty="0" smtClean="0"/>
-              <a:t>Risk: High</a:t>
-            </a:r>
-          </a:p>
-          <a:p>
-            <a:r>
-              <a:rPr lang="en-US" sz="1600" dirty="0" smtClean="0"/>
-              <a:t>GDP: -5%</a:t>
-            </a:r>
-          </a:p>
-          <a:p>
-            <a:r>
-              <a:rPr lang="en-US" sz="1600" dirty="0" err="1" smtClean="0"/>
-              <a:t>Covid</a:t>
-            </a:r>
-            <a:r>
-              <a:rPr lang="en-US" sz="1600" dirty="0" smtClean="0"/>
-              <a:t> Growth: +20%</a:t>
-            </a:r>
-          </a:p>
-          <a:p>
-            <a:r>
-              <a:rPr lang="en-US" sz="1600" dirty="0" smtClean="0"/>
-              <a:t>Pollution: Low</a:t>
-            </a:r>
-            <a:endParaRPr lang="en-US" sz="1600" dirty="0"/>
-          </a:p>
-        </p:txBody>
-      </p:sp>
-      <p:sp>
-        <p:nvSpPr>
-          <p:cNvPr id="19" name="Rectangle 18"/>
+              <a:rPr lang="en-US" dirty="0" smtClean="0">
+                <a:latin typeface="Roboto Condensed Light" panose="02000000000000000000" pitchFamily="2" charset="0"/>
+                <a:ea typeface="Roboto Condensed Light" panose="02000000000000000000" pitchFamily="2" charset="0"/>
+              </a:rPr>
+              <a:t>Snapshot</a:t>
+            </a:r>
+            <a:endParaRPr lang="en-US" dirty="0">
+              <a:latin typeface="Roboto Condensed Light" panose="02000000000000000000" pitchFamily="2" charset="0"/>
+              <a:ea typeface="Roboto Condensed Light" panose="02000000000000000000" pitchFamily="2" charset="0"/>
+            </a:endParaRPr>
+          </a:p>
+        </p:txBody>
+      </p:sp>
+      <p:sp>
+        <p:nvSpPr>
+          <p:cNvPr id="21" name="Rectangle 20"/>
           <p:cNvSpPr/>
           <p:nvPr/>
         </p:nvSpPr>
         <p:spPr>
           <a:xfrm>
-            <a:off x="203200" y="952500"/>
+            <a:off x="203200" y="2145776"/>
             <a:ext cx="2019300" cy="508000"/>
           </a:xfrm>
           <a:prstGeom prst="rect">
@@ -3581,22 +3695,28 @@
           <a:p>
             <a:pPr algn="ctr"/>
             <a:r>
-              <a:rPr lang="en-US" dirty="0" smtClean="0"/>
-              <a:t>Snapshot</a:t>
-            </a:r>
-            <a:endParaRPr lang="en-US" dirty="0"/>
-          </a:p>
-        </p:txBody>
-      </p:sp>
-      <p:sp>
-        <p:nvSpPr>
-          <p:cNvPr id="20" name="Rectangle 19"/>
+              <a:rPr lang="en-US" dirty="0" smtClean="0">
+                <a:latin typeface="Roboto Condensed Light" panose="02000000000000000000" pitchFamily="2" charset="0"/>
+                <a:ea typeface="Roboto Condensed Light" panose="02000000000000000000" pitchFamily="2" charset="0"/>
+              </a:rPr>
+              <a:t>Economy</a:t>
+            </a:r>
+            <a:endParaRPr lang="en-US" dirty="0">
+              <a:latin typeface="Roboto Condensed Light" panose="02000000000000000000" pitchFamily="2" charset="0"/>
+              <a:ea typeface="Roboto Condensed Light" panose="02000000000000000000" pitchFamily="2" charset="0"/>
+            </a:endParaRPr>
+          </a:p>
+        </p:txBody>
+      </p:sp>
+      <p:sp>
+        <p:nvSpPr>
+          <p:cNvPr id="22" name="Rectangle 21"/>
           <p:cNvSpPr/>
           <p:nvPr/>
         </p:nvSpPr>
         <p:spPr>
           <a:xfrm>
-            <a:off x="203200" y="1549138"/>
+            <a:off x="209550" y="2724672"/>
             <a:ext cx="2019300" cy="508000"/>
           </a:xfrm>
           <a:prstGeom prst="rect">
@@ -3633,22 +3753,28 @@
           <a:p>
             <a:pPr algn="ctr"/>
             <a:r>
-              <a:rPr lang="en-US" dirty="0" smtClean="0"/>
-              <a:t>Mobility</a:t>
-            </a:r>
-            <a:endParaRPr lang="en-US" dirty="0"/>
-          </a:p>
-        </p:txBody>
-      </p:sp>
-      <p:sp>
-        <p:nvSpPr>
-          <p:cNvPr id="21" name="Rectangle 20"/>
+              <a:rPr lang="en-US" dirty="0" smtClean="0">
+                <a:latin typeface="Roboto Condensed Light" panose="02000000000000000000" pitchFamily="2" charset="0"/>
+                <a:ea typeface="Roboto Condensed Light" panose="02000000000000000000" pitchFamily="2" charset="0"/>
+              </a:rPr>
+              <a:t>Environment</a:t>
+            </a:r>
+            <a:endParaRPr lang="en-US" dirty="0">
+              <a:latin typeface="Roboto Condensed Light" panose="02000000000000000000" pitchFamily="2" charset="0"/>
+              <a:ea typeface="Roboto Condensed Light" panose="02000000000000000000" pitchFamily="2" charset="0"/>
+            </a:endParaRPr>
+          </a:p>
+        </p:txBody>
+      </p:sp>
+      <p:sp>
+        <p:nvSpPr>
+          <p:cNvPr id="23" name="Rectangle 22"/>
           <p:cNvSpPr/>
           <p:nvPr/>
         </p:nvSpPr>
         <p:spPr>
           <a:xfrm>
-            <a:off x="203200" y="2145776"/>
+            <a:off x="209550" y="3321310"/>
             <a:ext cx="2019300" cy="508000"/>
           </a:xfrm>
           <a:prstGeom prst="rect">
@@ -3685,35 +3811,36 @@
           <a:p>
             <a:pPr algn="ctr"/>
             <a:r>
-              <a:rPr lang="en-US" dirty="0" smtClean="0"/>
-              <a:t>Economy</a:t>
-            </a:r>
-            <a:endParaRPr lang="en-US" dirty="0"/>
-          </a:p>
-        </p:txBody>
-      </p:sp>
-      <p:sp>
-        <p:nvSpPr>
-          <p:cNvPr id="22" name="Rectangle 21"/>
+              <a:rPr lang="en-US" dirty="0" smtClean="0">
+                <a:latin typeface="Roboto Condensed Light" panose="02000000000000000000" pitchFamily="2" charset="0"/>
+                <a:ea typeface="Roboto Condensed Light" panose="02000000000000000000" pitchFamily="2" charset="0"/>
+              </a:rPr>
+              <a:t>Meet the Team</a:t>
+            </a:r>
+            <a:endParaRPr lang="en-US" dirty="0">
+              <a:latin typeface="Roboto Condensed Light" panose="02000000000000000000" pitchFamily="2" charset="0"/>
+              <a:ea typeface="Roboto Condensed Light" panose="02000000000000000000" pitchFamily="2" charset="0"/>
+            </a:endParaRPr>
+          </a:p>
+        </p:txBody>
+      </p:sp>
+      <p:sp>
+        <p:nvSpPr>
+          <p:cNvPr id="24" name="Rectangle 23"/>
           <p:cNvSpPr/>
           <p:nvPr/>
         </p:nvSpPr>
         <p:spPr>
           <a:xfrm>
-            <a:off x="209550" y="2724672"/>
-            <a:ext cx="2019300" cy="508000"/>
+            <a:off x="0" y="0"/>
+            <a:ext cx="12192000" cy="685800"/>
           </a:xfrm>
           <a:prstGeom prst="rect">
             <a:avLst/>
           </a:prstGeom>
           <a:solidFill>
-            <a:schemeClr val="bg2">
-              <a:lumMod val="50000"/>
-            </a:schemeClr>
+            <a:schemeClr val="tx1"/>
           </a:solidFill>
-          <a:ln>
-            <a:noFill/>
-          </a:ln>
         </p:spPr>
         <p:style>
           <a:lnRef idx="2">
@@ -3735,24 +3862,77 @@
           <a:bodyPr rtlCol="0" anchor="ctr"/>
           <a:lstStyle/>
           <a:p>
-            <a:pPr algn="ctr"/>
-            <a:r>
-              <a:rPr lang="en-US" dirty="0" smtClean="0"/>
-              <a:t>Environment</a:t>
-            </a:r>
-            <a:endParaRPr lang="en-US" dirty="0"/>
-          </a:p>
-        </p:txBody>
-      </p:sp>
-      <p:sp>
-        <p:nvSpPr>
-          <p:cNvPr id="23" name="Rectangle 22"/>
+            <a:r>
+              <a:rPr lang="en-US" sz="2400" dirty="0" smtClean="0">
+                <a:latin typeface="Roboto Condensed Light" panose="02000000000000000000" pitchFamily="2" charset="0"/>
+                <a:ea typeface="Roboto Condensed Light" panose="02000000000000000000" pitchFamily="2" charset="0"/>
+              </a:rPr>
+              <a:t>		Global </a:t>
+            </a:r>
+            <a:r>
+              <a:rPr lang="en-US" sz="2400" dirty="0" smtClean="0">
+                <a:latin typeface="Roboto Condensed Light" panose="02000000000000000000" pitchFamily="2" charset="0"/>
+                <a:ea typeface="Roboto Condensed Light" panose="02000000000000000000" pitchFamily="2" charset="0"/>
+              </a:rPr>
+              <a:t>Impact Detection from Emitted Light, Onset of COVID, and NO2</a:t>
+            </a:r>
+            <a:endParaRPr lang="en-US" sz="2400" dirty="0">
+              <a:latin typeface="Roboto Condensed Light" panose="02000000000000000000" pitchFamily="2" charset="0"/>
+              <a:ea typeface="Roboto Condensed Light" panose="02000000000000000000" pitchFamily="2" charset="0"/>
+            </a:endParaRPr>
+          </a:p>
+        </p:txBody>
+      </p:sp>
+      <p:pic>
+        <p:nvPicPr>
+          <p:cNvPr id="25" name="Picture 2" descr="http://localhost:8000/gqueers_space_apps/staging/images/logo.png"/>
+          <p:cNvPicPr>
+            <a:picLocks noChangeAspect="1" noChangeArrowheads="1"/>
+          </p:cNvPicPr>
+          <p:nvPr/>
+        </p:nvPicPr>
+        <p:blipFill>
+          <a:blip r:embed="rId2" cstate="print">
+            <a:extLst>
+              <a:ext uri="{28A0092B-C50C-407E-A947-70E740481C1C}">
+                <a14:useLocalDpi xmlns:a14="http://schemas.microsoft.com/office/drawing/2010/main" val="0"/>
+              </a:ext>
+            </a:extLst>
+          </a:blip>
+          <a:srcRect/>
+          <a:stretch>
+            <a:fillRect/>
+          </a:stretch>
+        </p:blipFill>
+        <p:spPr bwMode="auto">
+          <a:xfrm>
+            <a:off x="203200" y="167733"/>
+            <a:ext cx="1651000" cy="350334"/>
+          </a:xfrm>
+          <a:prstGeom prst="rect">
+            <a:avLst/>
+          </a:prstGeom>
+          <a:noFill/>
+          <a:extLst>
+            <a:ext uri="{909E8E84-426E-40DD-AFC4-6F175D3DCCD1}">
+              <a14:hiddenFill xmlns:a14="http://schemas.microsoft.com/office/drawing/2010/main">
+                <a:solidFill>
+                  <a:srgbClr val="FFFFFF"/>
+                </a:solidFill>
+              </a14:hiddenFill>
+            </a:ext>
+          </a:extLst>
+        </p:spPr>
+      </p:pic>
+      <p:sp>
+        <p:nvSpPr>
+          <p:cNvPr id="27" name="Rectangle 26"/>
           <p:cNvSpPr/>
           <p:nvPr/>
         </p:nvSpPr>
         <p:spPr>
           <a:xfrm>
-            <a:off x="209550" y="3321310"/>
+            <a:off x="203200" y="1549138"/>
             <a:ext cx="2019300" cy="508000"/>
           </a:xfrm>
           <a:prstGeom prst="rect">
@@ -3789,10 +3969,70 @@
           <a:p>
             <a:pPr algn="ctr"/>
             <a:r>
-              <a:rPr lang="en-US" dirty="0" smtClean="0"/>
-              <a:t>Meet the Team</a:t>
-            </a:r>
-            <a:endParaRPr lang="en-US" dirty="0"/>
+              <a:rPr lang="en-US" dirty="0" smtClean="0">
+                <a:latin typeface="Roboto Condensed Light" panose="02000000000000000000" pitchFamily="2" charset="0"/>
+                <a:ea typeface="Roboto Condensed Light" panose="02000000000000000000" pitchFamily="2" charset="0"/>
+              </a:rPr>
+              <a:t>COVID Situation</a:t>
+            </a:r>
+            <a:endParaRPr lang="en-US" dirty="0">
+              <a:latin typeface="Roboto Condensed Light" panose="02000000000000000000" pitchFamily="2" charset="0"/>
+              <a:ea typeface="Roboto Condensed Light" panose="02000000000000000000" pitchFamily="2" charset="0"/>
+            </a:endParaRPr>
+          </a:p>
+        </p:txBody>
+      </p:sp>
+      <p:sp>
+        <p:nvSpPr>
+          <p:cNvPr id="2" name="Rectangle 1"/>
+          <p:cNvSpPr/>
+          <p:nvPr/>
+        </p:nvSpPr>
+        <p:spPr>
+          <a:xfrm>
+            <a:off x="6096000" y="0"/>
+            <a:ext cx="6096000" cy="6858000"/>
+          </a:xfrm>
+          <a:prstGeom prst="rect">
+            <a:avLst/>
+          </a:prstGeom>
+          <a:solidFill>
+            <a:schemeClr val="bg2">
+              <a:lumMod val="10000"/>
+              <a:alpha val="84000"/>
+            </a:schemeClr>
+          </a:solidFill>
+        </p:spPr>
+        <p:style>
+          <a:lnRef idx="2">
+            <a:schemeClr val="accent1">
+              <a:shade val="50000"/>
+            </a:schemeClr>
+          </a:lnRef>
+          <a:fillRef idx="1">
+            <a:schemeClr val="accent1"/>
+          </a:fillRef>
+          <a:effectRef idx="0">
+            <a:schemeClr val="accent1"/>
+          </a:effectRef>
+          <a:fontRef idx="minor">
+            <a:schemeClr val="lt1"/>
+          </a:fontRef>
+        </p:style>
+        <p:txBody>
+          <a:bodyPr rtlCol="0" anchor="t"/>
+          <a:lstStyle/>
+          <a:p>
+            <a:endParaRPr lang="en-US" sz="2400" dirty="0" smtClean="0"/>
+          </a:p>
+          <a:p>
+            <a:r>
+              <a:rPr lang="en-US" sz="2400" dirty="0"/>
+              <a:t>GIDEON is an integrated public policy information portal that aims to measure the impact of COVID on various countries and its effect in economic and environmental terms. The countries that are able to contain COVID while keeping their economy afloat with minimal impact to the environment stand the best chance of sustainably bouncing back after this crisis. </a:t>
+            </a:r>
+          </a:p>
+          <a:p>
+            <a:endParaRPr lang="en-US" sz="2400" dirty="0"/>
           </a:p>
         </p:txBody>
       </p:sp>
@@ -3809,9 +4049,88 @@
   <p:timing>
     <p:tnLst>
       <p:par>
-        <p:cTn id="1" dur="indefinite" restart="never" nodeType="tmRoot"/>
+        <p:cTn id="1" dur="indefinite" restart="never" nodeType="tmRoot">
+          <p:childTnLst>
+            <p:seq concurrent="1" nextAc="seek">
+              <p:cTn id="2" dur="indefinite" nodeType="mainSeq">
+                <p:childTnLst>
+                  <p:par>
+                    <p:cTn id="3" fill="hold">
+                      <p:stCondLst>
+                        <p:cond delay="indefinite"/>
+                      </p:stCondLst>
+                      <p:childTnLst>
+                        <p:par>
+                          <p:cTn id="4" fill="hold">
+                            <p:stCondLst>
+                              <p:cond delay="0"/>
+                            </p:stCondLst>
+                            <p:childTnLst>
+                              <p:par>
+                                <p:cTn id="5" presetID="10" presetClass="entr" presetSubtype="0" fill="hold" grpId="0" nodeType="clickEffect">
+                                  <p:stCondLst>
+                                    <p:cond delay="0"/>
+                                  </p:stCondLst>
+                                  <p:childTnLst>
+                                    <p:set>
+                                      <p:cBhvr>
+                                        <p:cTn id="6" dur="1" fill="hold">
+                                          <p:stCondLst>
+                                            <p:cond delay="0"/>
+                                          </p:stCondLst>
+                                        </p:cTn>
+                                        <p:tgtEl>
+                                          <p:spTgt spid="2"/>
+                                        </p:tgtEl>
+                                        <p:attrNameLst>
+                                          <p:attrName>style.visibility</p:attrName>
+                                        </p:attrNameLst>
+                                      </p:cBhvr>
+                                      <p:to>
+                                        <p:strVal val="visible"/>
+                                      </p:to>
+                                    </p:set>
+                                    <p:animEffect transition="in" filter="fade">
+                                      <p:cBhvr>
+                                        <p:cTn id="7" dur="500"/>
+                                        <p:tgtEl>
+                                          <p:spTgt spid="2"/>
+                                        </p:tgtEl>
+                                      </p:cBhvr>
+                                    </p:animEffect>
+                                  </p:childTnLst>
+                                </p:cTn>
+                              </p:par>
+                            </p:childTnLst>
+                          </p:cTn>
+                        </p:par>
+                      </p:childTnLst>
+                    </p:cTn>
+                  </p:par>
+                </p:childTnLst>
+              </p:cTn>
+              <p:prevCondLst>
+                <p:cond evt="onPrev" delay="0">
+                  <p:tgtEl>
+                    <p:sldTgt/>
+                  </p:tgtEl>
+                </p:cond>
+              </p:prevCondLst>
+              <p:nextCondLst>
+                <p:cond evt="onNext" delay="0">
+                  <p:tgtEl>
+                    <p:sldTgt/>
+                  </p:tgtEl>
+                </p:cond>
+              </p:nextCondLst>
+            </p:seq>
+          </p:childTnLst>
+        </p:cTn>
       </p:par>
     </p:tnLst>
+    <p:bldLst>
+      <p:bldP spid="2" grpId="0" animBg="1"/>
+    </p:bldLst>
   </p:timing>
 </p:sld>
 </file>
@@ -3872,10 +4191,23 @@
           <a:lstStyle/>
           <a:p>
             <a:r>
-              <a:rPr lang="en-US" sz="2400" dirty="0" smtClean="0"/>
-              <a:t>GIDEON – Global Impact Detection from Emitted Light, Onset of COVID, and NO2</a:t>
-            </a:r>
-            <a:endParaRPr lang="en-US" sz="2400" dirty="0"/>
+              <a:rPr lang="en-US" sz="2400" dirty="0" smtClean="0">
+                <a:latin typeface="Roboto Condensed Light" panose="02000000000000000000" pitchFamily="2" charset="0"/>
+                <a:ea typeface="Roboto Condensed Light" panose="02000000000000000000" pitchFamily="2" charset="0"/>
+              </a:rPr>
+              <a:t>		Global </a:t>
+            </a:r>
+            <a:r>
+              <a:rPr lang="en-US" sz="2400" dirty="0" smtClean="0">
+                <a:latin typeface="Roboto Condensed Light" panose="02000000000000000000" pitchFamily="2" charset="0"/>
+                <a:ea typeface="Roboto Condensed Light" panose="02000000000000000000" pitchFamily="2" charset="0"/>
+              </a:rPr>
+              <a:t>Impact Detection from Emitted Light, Onset of COVID, and NO2</a:t>
+            </a:r>
+            <a:endParaRPr lang="en-US" sz="2400" dirty="0">
+              <a:latin typeface="Roboto Condensed Light" panose="02000000000000000000" pitchFamily="2" charset="0"/>
+              <a:ea typeface="Roboto Condensed Light" panose="02000000000000000000" pitchFamily="2" charset="0"/>
+            </a:endParaRPr>
           </a:p>
         </p:txBody>
       </p:sp>
@@ -4015,10 +4347,16 @@
           <a:p>
             <a:pPr algn="ctr"/>
             <a:r>
-              <a:rPr lang="en-US" dirty="0" smtClean="0"/>
+              <a:rPr lang="en-US" dirty="0" smtClean="0">
+                <a:latin typeface="Roboto Condensed Light" panose="02000000000000000000" pitchFamily="2" charset="0"/>
+                <a:ea typeface="Roboto Condensed Light" panose="02000000000000000000" pitchFamily="2" charset="0"/>
+              </a:rPr>
               <a:t>Snapshot</a:t>
             </a:r>
-            <a:endParaRPr lang="en-US" dirty="0"/>
+            <a:endParaRPr lang="en-US" dirty="0">
+              <a:latin typeface="Roboto Condensed Light" panose="02000000000000000000" pitchFamily="2" charset="0"/>
+              <a:ea typeface="Roboto Condensed Light" panose="02000000000000000000" pitchFamily="2" charset="0"/>
+            </a:endParaRPr>
           </a:p>
         </p:txBody>
       </p:sp>
@@ -4067,10 +4405,16 @@
           <a:p>
             <a:pPr algn="ctr"/>
             <a:r>
-              <a:rPr lang="en-US" dirty="0" smtClean="0"/>
-              <a:t>Mobility</a:t>
-            </a:r>
-            <a:endParaRPr lang="en-US" dirty="0"/>
+              <a:rPr lang="en-US" dirty="0" smtClean="0">
+                <a:latin typeface="Roboto Condensed Light" panose="02000000000000000000" pitchFamily="2" charset="0"/>
+                <a:ea typeface="Roboto Condensed Light" panose="02000000000000000000" pitchFamily="2" charset="0"/>
+              </a:rPr>
+              <a:t>COVID Situation</a:t>
+            </a:r>
+            <a:endParaRPr lang="en-US" dirty="0">
+              <a:latin typeface="Roboto Condensed Light" panose="02000000000000000000" pitchFamily="2" charset="0"/>
+              <a:ea typeface="Roboto Condensed Light" panose="02000000000000000000" pitchFamily="2" charset="0"/>
+            </a:endParaRPr>
           </a:p>
         </p:txBody>
       </p:sp>
@@ -4119,10 +4463,16 @@
           <a:p>
             <a:pPr algn="ctr"/>
             <a:r>
-              <a:rPr lang="en-US" dirty="0" smtClean="0"/>
+              <a:rPr lang="en-US" dirty="0" smtClean="0">
+                <a:latin typeface="Roboto Condensed Light" panose="02000000000000000000" pitchFamily="2" charset="0"/>
+                <a:ea typeface="Roboto Condensed Light" panose="02000000000000000000" pitchFamily="2" charset="0"/>
+              </a:rPr>
               <a:t>Economy</a:t>
             </a:r>
-            <a:endParaRPr lang="en-US" dirty="0"/>
+            <a:endParaRPr lang="en-US" dirty="0">
+              <a:latin typeface="Roboto Condensed Light" panose="02000000000000000000" pitchFamily="2" charset="0"/>
+              <a:ea typeface="Roboto Condensed Light" panose="02000000000000000000" pitchFamily="2" charset="0"/>
+            </a:endParaRPr>
           </a:p>
         </p:txBody>
       </p:sp>
@@ -4171,10 +4521,16 @@
           <a:p>
             <a:pPr algn="ctr"/>
             <a:r>
-              <a:rPr lang="en-US" dirty="0" smtClean="0"/>
+              <a:rPr lang="en-US" dirty="0" smtClean="0">
+                <a:latin typeface="Roboto Condensed Light" panose="02000000000000000000" pitchFamily="2" charset="0"/>
+                <a:ea typeface="Roboto Condensed Light" panose="02000000000000000000" pitchFamily="2" charset="0"/>
+              </a:rPr>
               <a:t>Environment</a:t>
             </a:r>
-            <a:endParaRPr lang="en-US" dirty="0"/>
+            <a:endParaRPr lang="en-US" dirty="0">
+              <a:latin typeface="Roboto Condensed Light" panose="02000000000000000000" pitchFamily="2" charset="0"/>
+              <a:ea typeface="Roboto Condensed Light" panose="02000000000000000000" pitchFamily="2" charset="0"/>
+            </a:endParaRPr>
           </a:p>
         </p:txBody>
       </p:sp>
@@ -4223,10 +4579,16 @@
           <a:p>
             <a:pPr algn="ctr"/>
             <a:r>
-              <a:rPr lang="en-US" dirty="0" smtClean="0"/>
+              <a:rPr lang="en-US" dirty="0" smtClean="0">
+                <a:latin typeface="Roboto Condensed Light" panose="02000000000000000000" pitchFamily="2" charset="0"/>
+                <a:ea typeface="Roboto Condensed Light" panose="02000000000000000000" pitchFamily="2" charset="0"/>
+              </a:rPr>
               <a:t>Meet the Team</a:t>
             </a:r>
-            <a:endParaRPr lang="en-US" dirty="0"/>
+            <a:endParaRPr lang="en-US" dirty="0">
+              <a:latin typeface="Roboto Condensed Light" panose="02000000000000000000" pitchFamily="2" charset="0"/>
+              <a:ea typeface="Roboto Condensed Light" panose="02000000000000000000" pitchFamily="2" charset="0"/>
+            </a:endParaRPr>
           </a:p>
         </p:txBody>
       </p:sp>
@@ -4247,7 +4609,7 @@
         <p:spPr>
           <a:xfrm>
             <a:off x="4921051" y="1457584"/>
-            <a:ext cx="6623249" cy="3901815"/>
+            <a:ext cx="3645099" cy="4127003"/>
           </a:xfrm>
           <a:prstGeom prst="rect">
             <a:avLst/>
@@ -4299,10 +4661,16 @@
           <a:p>
             <a:pPr algn="ctr"/>
             <a:r>
-              <a:rPr lang="en-US" dirty="0" smtClean="0"/>
+              <a:rPr lang="en-US" dirty="0" smtClean="0">
+                <a:latin typeface="Roboto Condensed Light" panose="02000000000000000000" pitchFamily="2" charset="0"/>
+                <a:ea typeface="Roboto Condensed Light" panose="02000000000000000000" pitchFamily="2" charset="0"/>
+              </a:rPr>
               <a:t>Select Country</a:t>
             </a:r>
-            <a:endParaRPr lang="en-US" dirty="0"/>
+            <a:endParaRPr lang="en-US" dirty="0">
+              <a:latin typeface="Roboto Condensed Light" panose="02000000000000000000" pitchFamily="2" charset="0"/>
+              <a:ea typeface="Roboto Condensed Light" panose="02000000000000000000" pitchFamily="2" charset="0"/>
+            </a:endParaRPr>
           </a:p>
         </p:txBody>
       </p:sp>
@@ -4315,7 +4683,7 @@
         <p:spPr>
           <a:xfrm>
             <a:off x="2641600" y="2260600"/>
-            <a:ext cx="2019300" cy="3323987"/>
+            <a:ext cx="2019300" cy="3108543"/>
           </a:xfrm>
           <a:prstGeom prst="rect">
             <a:avLst/>
@@ -4329,15 +4697,24 @@
           <a:lstStyle/>
           <a:p>
             <a:r>
-              <a:rPr lang="en-US" sz="1400" dirty="0"/>
+              <a:rPr lang="en-US" sz="1400" dirty="0">
+                <a:latin typeface="Roboto Condensed Light" panose="02000000000000000000" pitchFamily="2" charset="0"/>
+                <a:ea typeface="Roboto Condensed Light" panose="02000000000000000000" pitchFamily="2" charset="0"/>
+              </a:rPr>
               <a:t>The yellow lines indicate the onset of lockdown in Italy and the bars show the actual number of </a:t>
             </a:r>
             <a:r>
-              <a:rPr lang="en-US" sz="1400" dirty="0" err="1"/>
+              <a:rPr lang="en-US" sz="1400" dirty="0" err="1">
+                <a:latin typeface="Roboto Condensed Light" panose="02000000000000000000" pitchFamily="2" charset="0"/>
+                <a:ea typeface="Roboto Condensed Light" panose="02000000000000000000" pitchFamily="2" charset="0"/>
+              </a:rPr>
               <a:t>covid</a:t>
             </a:r>
             <a:r>
-              <a:rPr lang="en-US" sz="1400" dirty="0"/>
+              <a:rPr lang="en-US" sz="1400" dirty="0">
+                <a:latin typeface="Roboto Condensed Light" panose="02000000000000000000" pitchFamily="2" charset="0"/>
+                <a:ea typeface="Roboto Condensed Light" panose="02000000000000000000" pitchFamily="2" charset="0"/>
+              </a:rPr>
               <a:t> growth cases in the country at the time the mobility data was captured. The slightly increasing activity at the parks indicate that lives are slowly going back to normal for Italians by May 2020 compared to its low during March and April.</a:t>
             </a:r>
           </a:p>
@@ -4366,10 +4743,240 @@
           <a:lstStyle/>
           <a:p>
             <a:r>
-              <a:rPr lang="en-US" sz="2400" b="1" dirty="0" smtClean="0"/>
-              <a:t>COVID Cases and Mobility</a:t>
-            </a:r>
-            <a:endParaRPr lang="en-US" sz="2400" b="1" dirty="0"/>
+              <a:rPr lang="en-US" sz="2400" b="1" dirty="0" smtClean="0">
+                <a:latin typeface="Roboto Condensed Light" panose="02000000000000000000" pitchFamily="2" charset="0"/>
+                <a:ea typeface="Roboto Condensed Light" panose="02000000000000000000" pitchFamily="2" charset="0"/>
+              </a:rPr>
+              <a:t>COVID Situation</a:t>
+            </a:r>
+            <a:endParaRPr lang="en-US" sz="2400" b="1" dirty="0">
+              <a:latin typeface="Roboto Condensed Light" panose="02000000000000000000" pitchFamily="2" charset="0"/>
+              <a:ea typeface="Roboto Condensed Light" panose="02000000000000000000" pitchFamily="2" charset="0"/>
+            </a:endParaRPr>
+          </a:p>
+        </p:txBody>
+      </p:sp>
+      <p:pic>
+        <p:nvPicPr>
+          <p:cNvPr id="1026" name="Picture 2" descr="http://localhost:8000/gqueers_space_apps/staging/images/logo.png"/>
+          <p:cNvPicPr>
+            <a:picLocks noChangeAspect="1" noChangeArrowheads="1"/>
+          </p:cNvPicPr>
+          <p:nvPr/>
+        </p:nvPicPr>
+        <p:blipFill>
+          <a:blip r:embed="rId3" cstate="print">
+            <a:extLst>
+              <a:ext uri="{28A0092B-C50C-407E-A947-70E740481C1C}">
+                <a14:useLocalDpi xmlns:a14="http://schemas.microsoft.com/office/drawing/2010/main" val="0"/>
+              </a:ext>
+            </a:extLst>
+          </a:blip>
+          <a:srcRect/>
+          <a:stretch>
+            <a:fillRect/>
+          </a:stretch>
+        </p:blipFill>
+        <p:spPr bwMode="auto">
+          <a:xfrm>
+            <a:off x="203200" y="167733"/>
+            <a:ext cx="1651000" cy="350334"/>
+          </a:xfrm>
+          <a:prstGeom prst="rect">
+            <a:avLst/>
+          </a:prstGeom>
+          <a:noFill/>
+          <a:extLst>
+            <a:ext uri="{909E8E84-426E-40DD-AFC4-6F175D3DCCD1}">
+              <a14:hiddenFill xmlns:a14="http://schemas.microsoft.com/office/drawing/2010/main">
+                <a:solidFill>
+                  <a:srgbClr val="FFFFFF"/>
+                </a:solidFill>
+              </a14:hiddenFill>
+            </a:ext>
+          </a:extLst>
+        </p:spPr>
+      </p:pic>
+      <p:sp>
+        <p:nvSpPr>
+          <p:cNvPr id="15" name="Rectangle 14"/>
+          <p:cNvSpPr/>
+          <p:nvPr/>
+        </p:nvSpPr>
+        <p:spPr>
+          <a:xfrm>
+            <a:off x="8775700" y="1557223"/>
+            <a:ext cx="3149600" cy="1096553"/>
+          </a:xfrm>
+          <a:prstGeom prst="rect">
+            <a:avLst/>
+          </a:prstGeom>
+        </p:spPr>
+        <p:style>
+          <a:lnRef idx="2">
+            <a:schemeClr val="accent1">
+              <a:shade val="50000"/>
+            </a:schemeClr>
+          </a:lnRef>
+          <a:fillRef idx="1">
+            <a:schemeClr val="accent1"/>
+          </a:fillRef>
+          <a:effectRef idx="0">
+            <a:schemeClr val="accent1"/>
+          </a:effectRef>
+          <a:fontRef idx="minor">
+            <a:schemeClr val="lt1"/>
+          </a:fontRef>
+        </p:style>
+        <p:txBody>
+          <a:bodyPr rtlCol="0" anchor="ctr"/>
+          <a:lstStyle/>
+          <a:p>
+            <a:r>
+              <a:rPr lang="en-US" sz="1100" b="1" dirty="0" smtClean="0"/>
+              <a:t>Headline</a:t>
+            </a:r>
+            <a:br>
+              <a:rPr lang="en-US" sz="1100" b="1" dirty="0" smtClean="0"/>
+            </a:br>
+            <a:r>
+              <a:rPr lang="en-US" sz="1100" dirty="0" smtClean="0"/>
+              <a:t>The </a:t>
+            </a:r>
+            <a:r>
+              <a:rPr lang="en-US" sz="1100" dirty="0"/>
+              <a:t>yellow lines indicate the onset of lockdown in Italy and the bars show the actual number of </a:t>
+            </a:r>
+            <a:r>
+              <a:rPr lang="en-US" sz="1100" dirty="0" err="1"/>
+              <a:t>covid</a:t>
+            </a:r>
+            <a:r>
+              <a:rPr lang="en-US" sz="1100" dirty="0"/>
+              <a:t> growth cases in the country at the time the mobility data was captured.</a:t>
+            </a:r>
+          </a:p>
+        </p:txBody>
+      </p:sp>
+      <p:sp>
+        <p:nvSpPr>
+          <p:cNvPr id="16" name="Rectangle 15"/>
+          <p:cNvSpPr/>
+          <p:nvPr/>
+        </p:nvSpPr>
+        <p:spPr>
+          <a:xfrm>
+            <a:off x="8775700" y="2972808"/>
+            <a:ext cx="3149600" cy="1096553"/>
+          </a:xfrm>
+          <a:prstGeom prst="rect">
+            <a:avLst/>
+          </a:prstGeom>
+        </p:spPr>
+        <p:style>
+          <a:lnRef idx="2">
+            <a:schemeClr val="accent1">
+              <a:shade val="50000"/>
+            </a:schemeClr>
+          </a:lnRef>
+          <a:fillRef idx="1">
+            <a:schemeClr val="accent1"/>
+          </a:fillRef>
+          <a:effectRef idx="0">
+            <a:schemeClr val="accent1"/>
+          </a:effectRef>
+          <a:fontRef idx="minor">
+            <a:schemeClr val="lt1"/>
+          </a:fontRef>
+        </p:style>
+        <p:txBody>
+          <a:bodyPr rtlCol="0" anchor="ctr"/>
+          <a:lstStyle/>
+          <a:p>
+            <a:r>
+              <a:rPr lang="en-US" sz="1100" b="1" dirty="0" smtClean="0"/>
+              <a:t>Headline</a:t>
+            </a:r>
+            <a:br>
+              <a:rPr lang="en-US" sz="1100" b="1" dirty="0" smtClean="0"/>
+            </a:br>
+            <a:r>
+              <a:rPr lang="en-US" sz="1100" dirty="0" smtClean="0"/>
+              <a:t>The </a:t>
+            </a:r>
+            <a:r>
+              <a:rPr lang="en-US" sz="1100" dirty="0"/>
+              <a:t>yellow lines indicate the onset of lockdown in Italy and the bars show the actual number of </a:t>
+            </a:r>
+            <a:r>
+              <a:rPr lang="en-US" sz="1100" dirty="0" err="1"/>
+              <a:t>covid</a:t>
+            </a:r>
+            <a:r>
+              <a:rPr lang="en-US" sz="1100" dirty="0"/>
+              <a:t> growth cases in the country at the time the mobility data was captured.</a:t>
+            </a:r>
+          </a:p>
+        </p:txBody>
+      </p:sp>
+      <p:sp>
+        <p:nvSpPr>
+          <p:cNvPr id="17" name="Rectangle 16"/>
+          <p:cNvSpPr/>
+          <p:nvPr/>
+        </p:nvSpPr>
+        <p:spPr>
+          <a:xfrm>
+            <a:off x="8775700" y="4388393"/>
+            <a:ext cx="3149600" cy="1096553"/>
+          </a:xfrm>
+          <a:prstGeom prst="rect">
+            <a:avLst/>
+          </a:prstGeom>
+        </p:spPr>
+        <p:style>
+          <a:lnRef idx="2">
+            <a:schemeClr val="accent1">
+              <a:shade val="50000"/>
+            </a:schemeClr>
+          </a:lnRef>
+          <a:fillRef idx="1">
+            <a:schemeClr val="accent1"/>
+          </a:fillRef>
+          <a:effectRef idx="0">
+            <a:schemeClr val="accent1"/>
+          </a:effectRef>
+          <a:fontRef idx="minor">
+            <a:schemeClr val="lt1"/>
+          </a:fontRef>
+        </p:style>
+        <p:txBody>
+          <a:bodyPr rtlCol="0" anchor="ctr"/>
+          <a:lstStyle/>
+          <a:p>
+            <a:r>
+              <a:rPr lang="en-US" sz="1100" b="1" dirty="0" smtClean="0"/>
+              <a:t>Headline</a:t>
+            </a:r>
+            <a:br>
+              <a:rPr lang="en-US" sz="1100" b="1" dirty="0" smtClean="0"/>
+            </a:br>
+            <a:r>
+              <a:rPr lang="en-US" sz="1100" dirty="0" smtClean="0"/>
+              <a:t>The </a:t>
+            </a:r>
+            <a:r>
+              <a:rPr lang="en-US" sz="1100" dirty="0"/>
+              <a:t>yellow lines indicate the onset of lockdown in Italy and the bars show the actual number of </a:t>
+            </a:r>
+            <a:r>
+              <a:rPr lang="en-US" sz="1100" dirty="0" err="1"/>
+              <a:t>covid</a:t>
+            </a:r>
+            <a:r>
+              <a:rPr lang="en-US" sz="1100" dirty="0"/>
+              <a:t> growth cases in the country at the time the mobility data was captured.</a:t>
+            </a:r>
           </a:p>
         </p:txBody>
       </p:sp>
@@ -4412,20 +5019,22 @@
       </p:grpSpPr>
       <p:sp>
         <p:nvSpPr>
-          <p:cNvPr id="4" name="Rectangle 3"/>
+          <p:cNvPr id="5" name="Rectangle 4"/>
           <p:cNvSpPr/>
           <p:nvPr/>
         </p:nvSpPr>
         <p:spPr>
           <a:xfrm>
-            <a:off x="0" y="0"/>
-            <a:ext cx="12192000" cy="685800"/>
+            <a:off x="0" y="685800"/>
+            <a:ext cx="2438400" cy="6172200"/>
           </a:xfrm>
           <a:prstGeom prst="rect">
             <a:avLst/>
           </a:prstGeom>
           <a:solidFill>
-            <a:schemeClr val="tx1"/>
+            <a:schemeClr val="bg2">
+              <a:lumMod val="75000"/>
+            </a:schemeClr>
           </a:solidFill>
         </p:spPr>
         <p:style>
@@ -4448,32 +5057,27 @@
           <a:bodyPr rtlCol="0" anchor="ctr"/>
           <a:lstStyle/>
           <a:p>
-            <a:r>
-              <a:rPr lang="en-US" sz="2400" dirty="0" smtClean="0"/>
-              <a:t>GIDEON – Global Impact Detection from Emitted Light, Onset of COVID, and NO2</a:t>
-            </a:r>
-            <a:endParaRPr lang="en-US" sz="2400" dirty="0"/>
-          </a:p>
-        </p:txBody>
-      </p:sp>
-      <p:sp>
-        <p:nvSpPr>
-          <p:cNvPr id="5" name="Rectangle 4"/>
+            <a:pPr algn="ctr"/>
+            <a:endParaRPr lang="en-US"/>
+          </a:p>
+        </p:txBody>
+      </p:sp>
+      <p:sp>
+        <p:nvSpPr>
+          <p:cNvPr id="6" name="Rectangle 5"/>
           <p:cNvSpPr/>
           <p:nvPr/>
         </p:nvSpPr>
         <p:spPr>
           <a:xfrm>
-            <a:off x="0" y="685800"/>
-            <a:ext cx="2438400" cy="6172200"/>
+            <a:off x="2438400" y="6172200"/>
+            <a:ext cx="9753600" cy="685800"/>
           </a:xfrm>
           <a:prstGeom prst="rect">
             <a:avLst/>
           </a:prstGeom>
           <a:solidFill>
-            <a:schemeClr val="bg2">
-              <a:lumMod val="75000"/>
-            </a:schemeClr>
+            <a:schemeClr val="tx1"/>
           </a:solidFill>
         </p:spPr>
         <p:style>
@@ -4496,28 +5100,36 @@
           <a:bodyPr rtlCol="0" anchor="ctr"/>
           <a:lstStyle/>
           <a:p>
-            <a:pPr algn="ctr"/>
-            <a:endParaRPr lang="en-US"/>
-          </a:p>
-        </p:txBody>
-      </p:sp>
-      <p:sp>
-        <p:nvSpPr>
-          <p:cNvPr id="6" name="Rectangle 5"/>
+            <a:r>
+              <a:rPr lang="en-US" sz="2400" dirty="0" smtClean="0"/>
+              <a:t>Team GIDEON</a:t>
+            </a:r>
+            <a:endParaRPr lang="en-US" sz="2400" dirty="0"/>
+          </a:p>
+        </p:txBody>
+      </p:sp>
+      <p:sp>
+        <p:nvSpPr>
+          <p:cNvPr id="19" name="Rectangle 18"/>
           <p:cNvSpPr/>
           <p:nvPr/>
         </p:nvSpPr>
         <p:spPr>
           <a:xfrm>
-            <a:off x="2438400" y="6172200"/>
-            <a:ext cx="9753600" cy="685800"/>
+            <a:off x="203200" y="952500"/>
+            <a:ext cx="2019300" cy="508000"/>
           </a:xfrm>
           <a:prstGeom prst="rect">
             <a:avLst/>
           </a:prstGeom>
           <a:solidFill>
-            <a:schemeClr val="tx1"/>
+            <a:schemeClr val="bg2">
+              <a:lumMod val="50000"/>
+            </a:schemeClr>
           </a:solidFill>
+          <a:ln>
+            <a:noFill/>
+          </a:ln>
         </p:spPr>
         <p:style>
           <a:lnRef idx="2">
@@ -4539,113 +5151,10 @@
           <a:bodyPr rtlCol="0" anchor="ctr"/>
           <a:lstStyle/>
           <a:p>
-            <a:r>
-              <a:rPr lang="en-US" sz="2400" dirty="0" smtClean="0"/>
-              <a:t>Team GIDEON</a:t>
-            </a:r>
-            <a:endParaRPr lang="en-US" sz="2400" dirty="0"/>
-          </a:p>
-        </p:txBody>
-      </p:sp>
-      <p:sp>
-        <p:nvSpPr>
-          <p:cNvPr id="19" name="Rectangle 18"/>
-          <p:cNvSpPr/>
-          <p:nvPr/>
-        </p:nvSpPr>
-        <p:spPr>
-          <a:xfrm>
-            <a:off x="203200" y="952500"/>
-            <a:ext cx="2019300" cy="508000"/>
-          </a:xfrm>
-          <a:prstGeom prst="rect">
-            <a:avLst/>
-          </a:prstGeom>
-          <a:solidFill>
-            <a:schemeClr val="bg2">
-              <a:lumMod val="50000"/>
-            </a:schemeClr>
-          </a:solidFill>
-          <a:ln>
-            <a:noFill/>
-          </a:ln>
-        </p:spPr>
-        <p:style>
-          <a:lnRef idx="2">
-            <a:schemeClr val="accent1">
-              <a:shade val="50000"/>
-            </a:schemeClr>
-          </a:lnRef>
-          <a:fillRef idx="1">
-            <a:schemeClr val="accent1"/>
-          </a:fillRef>
-          <a:effectRef idx="0">
-            <a:schemeClr val="accent1"/>
-          </a:effectRef>
-          <a:fontRef idx="minor">
-            <a:schemeClr val="lt1"/>
-          </a:fontRef>
-        </p:style>
-        <p:txBody>
-          <a:bodyPr rtlCol="0" anchor="ctr"/>
-          <a:lstStyle/>
-          <a:p>
             <a:pPr algn="ctr"/>
             <a:r>
               <a:rPr lang="en-US" dirty="0" smtClean="0"/>
               <a:t>Snapshot</a:t>
-            </a:r>
-            <a:endParaRPr lang="en-US" dirty="0"/>
-          </a:p>
-        </p:txBody>
-      </p:sp>
-      <p:sp>
-        <p:nvSpPr>
-          <p:cNvPr id="20" name="Rectangle 19"/>
-          <p:cNvSpPr/>
-          <p:nvPr/>
-        </p:nvSpPr>
-        <p:spPr>
-          <a:xfrm>
-            <a:off x="203200" y="1549138"/>
-            <a:ext cx="2019300" cy="508000"/>
-          </a:xfrm>
-          <a:prstGeom prst="rect">
-            <a:avLst/>
-          </a:prstGeom>
-          <a:solidFill>
-            <a:schemeClr val="bg2">
-              <a:lumMod val="50000"/>
-            </a:schemeClr>
-          </a:solidFill>
-          <a:ln>
-            <a:noFill/>
-          </a:ln>
-        </p:spPr>
-        <p:style>
-          <a:lnRef idx="2">
-            <a:schemeClr val="accent1">
-              <a:shade val="50000"/>
-            </a:schemeClr>
-          </a:lnRef>
-          <a:fillRef idx="1">
-            <a:schemeClr val="accent1"/>
-          </a:fillRef>
-          <a:effectRef idx="0">
-            <a:schemeClr val="accent1"/>
-          </a:effectRef>
-          <a:fontRef idx="minor">
-            <a:schemeClr val="lt1"/>
-          </a:fontRef>
-        </p:style>
-        <p:txBody>
-          <a:bodyPr rtlCol="0" anchor="ctr"/>
-          <a:lstStyle/>
-          <a:p>
-            <a:pPr algn="ctr"/>
-            <a:r>
-              <a:rPr lang="en-US" dirty="0" smtClean="0"/>
-              <a:t>Mobility</a:t>
             </a:r>
             <a:endParaRPr lang="en-US" dirty="0"/>
           </a:p>
@@ -4913,7 +5422,7 @@
         <p:spPr>
           <a:xfrm>
             <a:off x="4864100" y="1600856"/>
-            <a:ext cx="6636614" cy="3983731"/>
+            <a:ext cx="6908800" cy="3983731"/>
           </a:xfrm>
           <a:prstGeom prst="rect">
             <a:avLst/>
@@ -4947,6 +5456,164 @@
               <a:t>Economic Forecast</a:t>
             </a:r>
             <a:endParaRPr lang="en-US" sz="2400" b="1" dirty="0"/>
+          </a:p>
+        </p:txBody>
+      </p:sp>
+      <p:sp>
+        <p:nvSpPr>
+          <p:cNvPr id="15" name="Rectangle 14"/>
+          <p:cNvSpPr/>
+          <p:nvPr/>
+        </p:nvSpPr>
+        <p:spPr>
+          <a:xfrm>
+            <a:off x="0" y="0"/>
+            <a:ext cx="12192000" cy="685800"/>
+          </a:xfrm>
+          <a:prstGeom prst="rect">
+            <a:avLst/>
+          </a:prstGeom>
+          <a:solidFill>
+            <a:schemeClr val="tx1"/>
+          </a:solidFill>
+        </p:spPr>
+        <p:style>
+          <a:lnRef idx="2">
+            <a:schemeClr val="accent1">
+              <a:shade val="50000"/>
+            </a:schemeClr>
+          </a:lnRef>
+          <a:fillRef idx="1">
+            <a:schemeClr val="accent1"/>
+          </a:fillRef>
+          <a:effectRef idx="0">
+            <a:schemeClr val="accent1"/>
+          </a:effectRef>
+          <a:fontRef idx="minor">
+            <a:schemeClr val="lt1"/>
+          </a:fontRef>
+        </p:style>
+        <p:txBody>
+          <a:bodyPr rtlCol="0" anchor="ctr"/>
+          <a:lstStyle/>
+          <a:p>
+            <a:r>
+              <a:rPr lang="en-US" sz="2400" dirty="0" smtClean="0">
+                <a:latin typeface="Roboto Condensed Light" panose="02000000000000000000" pitchFamily="2" charset="0"/>
+                <a:ea typeface="Roboto Condensed Light" panose="02000000000000000000" pitchFamily="2" charset="0"/>
+              </a:rPr>
+              <a:t>		Global </a:t>
+            </a:r>
+            <a:r>
+              <a:rPr lang="en-US" sz="2400" dirty="0" smtClean="0">
+                <a:latin typeface="Roboto Condensed Light" panose="02000000000000000000" pitchFamily="2" charset="0"/>
+                <a:ea typeface="Roboto Condensed Light" panose="02000000000000000000" pitchFamily="2" charset="0"/>
+              </a:rPr>
+              <a:t>Impact Detection from Emitted Light, Onset of COVID, and NO2</a:t>
+            </a:r>
+            <a:endParaRPr lang="en-US" sz="2400" dirty="0">
+              <a:latin typeface="Roboto Condensed Light" panose="02000000000000000000" pitchFamily="2" charset="0"/>
+              <a:ea typeface="Roboto Condensed Light" panose="02000000000000000000" pitchFamily="2" charset="0"/>
+            </a:endParaRPr>
+          </a:p>
+        </p:txBody>
+      </p:sp>
+      <p:pic>
+        <p:nvPicPr>
+          <p:cNvPr id="16" name="Picture 2" descr="http://localhost:8000/gqueers_space_apps/staging/images/logo.png"/>
+          <p:cNvPicPr>
+            <a:picLocks noChangeAspect="1" noChangeArrowheads="1"/>
+          </p:cNvPicPr>
+          <p:nvPr/>
+        </p:nvPicPr>
+        <p:blipFill>
+          <a:blip r:embed="rId3" cstate="print">
+            <a:extLst>
+              <a:ext uri="{28A0092B-C50C-407E-A947-70E740481C1C}">
+                <a14:useLocalDpi xmlns:a14="http://schemas.microsoft.com/office/drawing/2010/main" val="0"/>
+              </a:ext>
+            </a:extLst>
+          </a:blip>
+          <a:srcRect/>
+          <a:stretch>
+            <a:fillRect/>
+          </a:stretch>
+        </p:blipFill>
+        <p:spPr bwMode="auto">
+          <a:xfrm>
+            <a:off x="203200" y="167733"/>
+            <a:ext cx="1651000" cy="350334"/>
+          </a:xfrm>
+          <a:prstGeom prst="rect">
+            <a:avLst/>
+          </a:prstGeom>
+          <a:noFill/>
+          <a:extLst>
+            <a:ext uri="{909E8E84-426E-40DD-AFC4-6F175D3DCCD1}">
+              <a14:hiddenFill xmlns:a14="http://schemas.microsoft.com/office/drawing/2010/main">
+                <a:solidFill>
+                  <a:srgbClr val="FFFFFF"/>
+                </a:solidFill>
+              </a14:hiddenFill>
+            </a:ext>
+          </a:extLst>
+        </p:spPr>
+      </p:pic>
+      <p:sp>
+        <p:nvSpPr>
+          <p:cNvPr id="27" name="Rectangle 26"/>
+          <p:cNvSpPr/>
+          <p:nvPr/>
+        </p:nvSpPr>
+        <p:spPr>
+          <a:xfrm>
+            <a:off x="203200" y="1549138"/>
+            <a:ext cx="2019300" cy="508000"/>
+          </a:xfrm>
+          <a:prstGeom prst="rect">
+            <a:avLst/>
+          </a:prstGeom>
+          <a:solidFill>
+            <a:schemeClr val="bg2">
+              <a:lumMod val="50000"/>
+            </a:schemeClr>
+          </a:solidFill>
+          <a:ln>
+            <a:noFill/>
+          </a:ln>
+        </p:spPr>
+        <p:style>
+          <a:lnRef idx="2">
+            <a:schemeClr val="accent1">
+              <a:shade val="50000"/>
+            </a:schemeClr>
+          </a:lnRef>
+          <a:fillRef idx="1">
+            <a:schemeClr val="accent1"/>
+          </a:fillRef>
+          <a:effectRef idx="0">
+            <a:schemeClr val="accent1"/>
+          </a:effectRef>
+          <a:fontRef idx="minor">
+            <a:schemeClr val="lt1"/>
+          </a:fontRef>
+        </p:style>
+        <p:txBody>
+          <a:bodyPr rtlCol="0" anchor="ctr"/>
+          <a:lstStyle/>
+          <a:p>
+            <a:pPr algn="ctr"/>
+            <a:r>
+              <a:rPr lang="en-US" dirty="0" smtClean="0">
+                <a:latin typeface="Roboto Condensed Light" panose="02000000000000000000" pitchFamily="2" charset="0"/>
+                <a:ea typeface="Roboto Condensed Light" panose="02000000000000000000" pitchFamily="2" charset="0"/>
+              </a:rPr>
+              <a:t>COVID Situation</a:t>
+            </a:r>
+            <a:endParaRPr lang="en-US" dirty="0">
+              <a:latin typeface="Roboto Condensed Light" panose="02000000000000000000" pitchFamily="2" charset="0"/>
+              <a:ea typeface="Roboto Condensed Light" panose="02000000000000000000" pitchFamily="2" charset="0"/>
+            </a:endParaRPr>
           </a:p>
         </p:txBody>
       </p:sp>
@@ -4989,20 +5656,22 @@
       </p:grpSpPr>
       <p:sp>
         <p:nvSpPr>
-          <p:cNvPr id="4" name="Rectangle 3"/>
+          <p:cNvPr id="5" name="Rectangle 4"/>
           <p:cNvSpPr/>
           <p:nvPr/>
         </p:nvSpPr>
         <p:spPr>
           <a:xfrm>
-            <a:off x="0" y="0"/>
-            <a:ext cx="12192000" cy="685800"/>
+            <a:off x="0" y="685800"/>
+            <a:ext cx="2438400" cy="6172200"/>
           </a:xfrm>
           <a:prstGeom prst="rect">
             <a:avLst/>
           </a:prstGeom>
           <a:solidFill>
-            <a:schemeClr val="tx1"/>
+            <a:schemeClr val="bg2">
+              <a:lumMod val="75000"/>
+            </a:schemeClr>
           </a:solidFill>
         </p:spPr>
         <p:style>
@@ -5025,32 +5694,27 @@
           <a:bodyPr rtlCol="0" anchor="ctr"/>
           <a:lstStyle/>
           <a:p>
-            <a:r>
-              <a:rPr lang="en-US" sz="2400" dirty="0" smtClean="0"/>
-              <a:t>GIDEON – Global Impact Detection from Emitted Light, Onset of COVID, and NO2</a:t>
-            </a:r>
-            <a:endParaRPr lang="en-US" sz="2400" dirty="0"/>
-          </a:p>
-        </p:txBody>
-      </p:sp>
-      <p:sp>
-        <p:nvSpPr>
-          <p:cNvPr id="5" name="Rectangle 4"/>
+            <a:pPr algn="ctr"/>
+            <a:endParaRPr lang="en-US"/>
+          </a:p>
+        </p:txBody>
+      </p:sp>
+      <p:sp>
+        <p:nvSpPr>
+          <p:cNvPr id="6" name="Rectangle 5"/>
           <p:cNvSpPr/>
           <p:nvPr/>
         </p:nvSpPr>
         <p:spPr>
           <a:xfrm>
-            <a:off x="0" y="685800"/>
-            <a:ext cx="2438400" cy="6172200"/>
+            <a:off x="2438400" y="6172200"/>
+            <a:ext cx="9753600" cy="685800"/>
           </a:xfrm>
           <a:prstGeom prst="rect">
             <a:avLst/>
           </a:prstGeom>
           <a:solidFill>
-            <a:schemeClr val="bg2">
-              <a:lumMod val="75000"/>
-            </a:schemeClr>
+            <a:schemeClr val="tx1"/>
           </a:solidFill>
         </p:spPr>
         <p:style>
@@ -5073,28 +5737,36 @@
           <a:bodyPr rtlCol="0" anchor="ctr"/>
           <a:lstStyle/>
           <a:p>
-            <a:pPr algn="ctr"/>
-            <a:endParaRPr lang="en-US"/>
-          </a:p>
-        </p:txBody>
-      </p:sp>
-      <p:sp>
-        <p:nvSpPr>
-          <p:cNvPr id="6" name="Rectangle 5"/>
+            <a:r>
+              <a:rPr lang="en-US" sz="2400" dirty="0" smtClean="0"/>
+              <a:t>Team GIDEON</a:t>
+            </a:r>
+            <a:endParaRPr lang="en-US" sz="2400" dirty="0"/>
+          </a:p>
+        </p:txBody>
+      </p:sp>
+      <p:sp>
+        <p:nvSpPr>
+          <p:cNvPr id="19" name="Rectangle 18"/>
           <p:cNvSpPr/>
           <p:nvPr/>
         </p:nvSpPr>
         <p:spPr>
           <a:xfrm>
-            <a:off x="2438400" y="6172200"/>
-            <a:ext cx="9753600" cy="685800"/>
+            <a:off x="203200" y="952500"/>
+            <a:ext cx="2019300" cy="508000"/>
           </a:xfrm>
           <a:prstGeom prst="rect">
             <a:avLst/>
           </a:prstGeom>
           <a:solidFill>
-            <a:schemeClr val="tx1"/>
+            <a:schemeClr val="bg2">
+              <a:lumMod val="50000"/>
+            </a:schemeClr>
           </a:solidFill>
+          <a:ln>
+            <a:noFill/>
+          </a:ln>
         </p:spPr>
         <p:style>
           <a:lnRef idx="2">
@@ -5116,113 +5788,10 @@
           <a:bodyPr rtlCol="0" anchor="ctr"/>
           <a:lstStyle/>
           <a:p>
-            <a:r>
-              <a:rPr lang="en-US" sz="2400" dirty="0" smtClean="0"/>
-              <a:t>Team GIDEON</a:t>
-            </a:r>
-            <a:endParaRPr lang="en-US" sz="2400" dirty="0"/>
-          </a:p>
-        </p:txBody>
-      </p:sp>
-      <p:sp>
-        <p:nvSpPr>
-          <p:cNvPr id="19" name="Rectangle 18"/>
-          <p:cNvSpPr/>
-          <p:nvPr/>
-        </p:nvSpPr>
-        <p:spPr>
-          <a:xfrm>
-            <a:off x="203200" y="952500"/>
-            <a:ext cx="2019300" cy="508000"/>
-          </a:xfrm>
-          <a:prstGeom prst="rect">
-            <a:avLst/>
-          </a:prstGeom>
-          <a:solidFill>
-            <a:schemeClr val="bg2">
-              <a:lumMod val="50000"/>
-            </a:schemeClr>
-          </a:solidFill>
-          <a:ln>
-            <a:noFill/>
-          </a:ln>
-        </p:spPr>
-        <p:style>
-          <a:lnRef idx="2">
-            <a:schemeClr val="accent1">
-              <a:shade val="50000"/>
-            </a:schemeClr>
-          </a:lnRef>
-          <a:fillRef idx="1">
-            <a:schemeClr val="accent1"/>
-          </a:fillRef>
-          <a:effectRef idx="0">
-            <a:schemeClr val="accent1"/>
-          </a:effectRef>
-          <a:fontRef idx="minor">
-            <a:schemeClr val="lt1"/>
-          </a:fontRef>
-        </p:style>
-        <p:txBody>
-          <a:bodyPr rtlCol="0" anchor="ctr"/>
-          <a:lstStyle/>
-          <a:p>
             <a:pPr algn="ctr"/>
             <a:r>
               <a:rPr lang="en-US" dirty="0" smtClean="0"/>
               <a:t>Snapshot</a:t>
-            </a:r>
-            <a:endParaRPr lang="en-US" dirty="0"/>
-          </a:p>
-        </p:txBody>
-      </p:sp>
-      <p:sp>
-        <p:nvSpPr>
-          <p:cNvPr id="20" name="Rectangle 19"/>
-          <p:cNvSpPr/>
-          <p:nvPr/>
-        </p:nvSpPr>
-        <p:spPr>
-          <a:xfrm>
-            <a:off x="203200" y="1549138"/>
-            <a:ext cx="2019300" cy="508000"/>
-          </a:xfrm>
-          <a:prstGeom prst="rect">
-            <a:avLst/>
-          </a:prstGeom>
-          <a:solidFill>
-            <a:schemeClr val="bg2">
-              <a:lumMod val="50000"/>
-            </a:schemeClr>
-          </a:solidFill>
-          <a:ln>
-            <a:noFill/>
-          </a:ln>
-        </p:spPr>
-        <p:style>
-          <a:lnRef idx="2">
-            <a:schemeClr val="accent1">
-              <a:shade val="50000"/>
-            </a:schemeClr>
-          </a:lnRef>
-          <a:fillRef idx="1">
-            <a:schemeClr val="accent1"/>
-          </a:fillRef>
-          <a:effectRef idx="0">
-            <a:schemeClr val="accent1"/>
-          </a:effectRef>
-          <a:fontRef idx="minor">
-            <a:schemeClr val="lt1"/>
-          </a:fontRef>
-        </p:style>
-        <p:txBody>
-          <a:bodyPr rtlCol="0" anchor="ctr"/>
-          <a:lstStyle/>
-          <a:p>
-            <a:pPr algn="ctr"/>
-            <a:r>
-              <a:rPr lang="en-US" dirty="0" smtClean="0"/>
-              <a:t>Mobility</a:t>
             </a:r>
             <a:endParaRPr lang="en-US" dirty="0"/>
           </a:p>
@@ -5527,6 +6096,164 @@
           </a:prstGeom>
         </p:spPr>
       </p:pic>
+      <p:sp>
+        <p:nvSpPr>
+          <p:cNvPr id="15" name="Rectangle 14"/>
+          <p:cNvSpPr/>
+          <p:nvPr/>
+        </p:nvSpPr>
+        <p:spPr>
+          <a:xfrm>
+            <a:off x="0" y="0"/>
+            <a:ext cx="12192000" cy="685800"/>
+          </a:xfrm>
+          <a:prstGeom prst="rect">
+            <a:avLst/>
+          </a:prstGeom>
+          <a:solidFill>
+            <a:schemeClr val="tx1"/>
+          </a:solidFill>
+        </p:spPr>
+        <p:style>
+          <a:lnRef idx="2">
+            <a:schemeClr val="accent1">
+              <a:shade val="50000"/>
+            </a:schemeClr>
+          </a:lnRef>
+          <a:fillRef idx="1">
+            <a:schemeClr val="accent1"/>
+          </a:fillRef>
+          <a:effectRef idx="0">
+            <a:schemeClr val="accent1"/>
+          </a:effectRef>
+          <a:fontRef idx="minor">
+            <a:schemeClr val="lt1"/>
+          </a:fontRef>
+        </p:style>
+        <p:txBody>
+          <a:bodyPr rtlCol="0" anchor="ctr"/>
+          <a:lstStyle/>
+          <a:p>
+            <a:r>
+              <a:rPr lang="en-US" sz="2400" dirty="0" smtClean="0">
+                <a:latin typeface="Roboto Condensed Light" panose="02000000000000000000" pitchFamily="2" charset="0"/>
+                <a:ea typeface="Roboto Condensed Light" panose="02000000000000000000" pitchFamily="2" charset="0"/>
+              </a:rPr>
+              <a:t>		Global </a:t>
+            </a:r>
+            <a:r>
+              <a:rPr lang="en-US" sz="2400" dirty="0" smtClean="0">
+                <a:latin typeface="Roboto Condensed Light" panose="02000000000000000000" pitchFamily="2" charset="0"/>
+                <a:ea typeface="Roboto Condensed Light" panose="02000000000000000000" pitchFamily="2" charset="0"/>
+              </a:rPr>
+              <a:t>Impact Detection from Emitted Light, Onset of COVID, and NO2</a:t>
+            </a:r>
+            <a:endParaRPr lang="en-US" sz="2400" dirty="0">
+              <a:latin typeface="Roboto Condensed Light" panose="02000000000000000000" pitchFamily="2" charset="0"/>
+              <a:ea typeface="Roboto Condensed Light" panose="02000000000000000000" pitchFamily="2" charset="0"/>
+            </a:endParaRPr>
+          </a:p>
+        </p:txBody>
+      </p:sp>
+      <p:pic>
+        <p:nvPicPr>
+          <p:cNvPr id="16" name="Picture 2" descr="http://localhost:8000/gqueers_space_apps/staging/images/logo.png"/>
+          <p:cNvPicPr>
+            <a:picLocks noChangeAspect="1" noChangeArrowheads="1"/>
+          </p:cNvPicPr>
+          <p:nvPr/>
+        </p:nvPicPr>
+        <p:blipFill>
+          <a:blip r:embed="rId3" cstate="print">
+            <a:extLst>
+              <a:ext uri="{28A0092B-C50C-407E-A947-70E740481C1C}">
+                <a14:useLocalDpi xmlns:a14="http://schemas.microsoft.com/office/drawing/2010/main" val="0"/>
+              </a:ext>
+            </a:extLst>
+          </a:blip>
+          <a:srcRect/>
+          <a:stretch>
+            <a:fillRect/>
+          </a:stretch>
+        </p:blipFill>
+        <p:spPr bwMode="auto">
+          <a:xfrm>
+            <a:off x="203200" y="167733"/>
+            <a:ext cx="1651000" cy="350334"/>
+          </a:xfrm>
+          <a:prstGeom prst="rect">
+            <a:avLst/>
+          </a:prstGeom>
+          <a:noFill/>
+          <a:extLst>
+            <a:ext uri="{909E8E84-426E-40DD-AFC4-6F175D3DCCD1}">
+              <a14:hiddenFill xmlns:a14="http://schemas.microsoft.com/office/drawing/2010/main">
+                <a:solidFill>
+                  <a:srgbClr val="FFFFFF"/>
+                </a:solidFill>
+              </a14:hiddenFill>
+            </a:ext>
+          </a:extLst>
+        </p:spPr>
+      </p:pic>
+      <p:sp>
+        <p:nvSpPr>
+          <p:cNvPr id="17" name="Rectangle 16"/>
+          <p:cNvSpPr/>
+          <p:nvPr/>
+        </p:nvSpPr>
+        <p:spPr>
+          <a:xfrm>
+            <a:off x="203200" y="1549138"/>
+            <a:ext cx="2019300" cy="508000"/>
+          </a:xfrm>
+          <a:prstGeom prst="rect">
+            <a:avLst/>
+          </a:prstGeom>
+          <a:solidFill>
+            <a:schemeClr val="bg2">
+              <a:lumMod val="50000"/>
+            </a:schemeClr>
+          </a:solidFill>
+          <a:ln>
+            <a:noFill/>
+          </a:ln>
+        </p:spPr>
+        <p:style>
+          <a:lnRef idx="2">
+            <a:schemeClr val="accent1">
+              <a:shade val="50000"/>
+            </a:schemeClr>
+          </a:lnRef>
+          <a:fillRef idx="1">
+            <a:schemeClr val="accent1"/>
+          </a:fillRef>
+          <a:effectRef idx="0">
+            <a:schemeClr val="accent1"/>
+          </a:effectRef>
+          <a:fontRef idx="minor">
+            <a:schemeClr val="lt1"/>
+          </a:fontRef>
+        </p:style>
+        <p:txBody>
+          <a:bodyPr rtlCol="0" anchor="ctr"/>
+          <a:lstStyle/>
+          <a:p>
+            <a:pPr algn="ctr"/>
+            <a:r>
+              <a:rPr lang="en-US" dirty="0" smtClean="0">
+                <a:latin typeface="Roboto Condensed Light" panose="02000000000000000000" pitchFamily="2" charset="0"/>
+                <a:ea typeface="Roboto Condensed Light" panose="02000000000000000000" pitchFamily="2" charset="0"/>
+              </a:rPr>
+              <a:t>COVID Situation</a:t>
+            </a:r>
+            <a:endParaRPr lang="en-US" dirty="0">
+              <a:latin typeface="Roboto Condensed Light" panose="02000000000000000000" pitchFamily="2" charset="0"/>
+              <a:ea typeface="Roboto Condensed Light" panose="02000000000000000000" pitchFamily="2" charset="0"/>
+            </a:endParaRPr>
+          </a:p>
+        </p:txBody>
+      </p:sp>
     </p:spTree>
     <p:extLst>
       <p:ext uri="{BB962C8B-B14F-4D97-AF65-F5344CB8AC3E}">
@@ -5566,20 +6293,22 @@
       </p:grpSpPr>
       <p:sp>
         <p:nvSpPr>
-          <p:cNvPr id="4" name="Rectangle 3"/>
+          <p:cNvPr id="5" name="Rectangle 4"/>
           <p:cNvSpPr/>
           <p:nvPr/>
         </p:nvSpPr>
         <p:spPr>
           <a:xfrm>
-            <a:off x="0" y="0"/>
-            <a:ext cx="12192000" cy="685800"/>
+            <a:off x="0" y="685800"/>
+            <a:ext cx="2438400" cy="6172200"/>
           </a:xfrm>
           <a:prstGeom prst="rect">
             <a:avLst/>
           </a:prstGeom>
           <a:solidFill>
-            <a:schemeClr val="tx1"/>
+            <a:schemeClr val="bg2">
+              <a:lumMod val="75000"/>
+            </a:schemeClr>
           </a:solidFill>
         </p:spPr>
         <p:style>
@@ -5602,32 +6331,27 @@
           <a:bodyPr rtlCol="0" anchor="ctr"/>
           <a:lstStyle/>
           <a:p>
-            <a:r>
-              <a:rPr lang="en-US" sz="2400" dirty="0" smtClean="0"/>
-              <a:t>GIDEON – Global Impact Detection from Emitted Light, Onset of COVID, and NO2</a:t>
-            </a:r>
-            <a:endParaRPr lang="en-US" sz="2400" dirty="0"/>
-          </a:p>
-        </p:txBody>
-      </p:sp>
-      <p:sp>
-        <p:nvSpPr>
-          <p:cNvPr id="5" name="Rectangle 4"/>
+            <a:pPr algn="ctr"/>
+            <a:endParaRPr lang="en-US"/>
+          </a:p>
+        </p:txBody>
+      </p:sp>
+      <p:sp>
+        <p:nvSpPr>
+          <p:cNvPr id="6" name="Rectangle 5"/>
           <p:cNvSpPr/>
           <p:nvPr/>
         </p:nvSpPr>
         <p:spPr>
           <a:xfrm>
-            <a:off x="0" y="685800"/>
-            <a:ext cx="2438400" cy="6172200"/>
+            <a:off x="2438400" y="6172200"/>
+            <a:ext cx="9753600" cy="685800"/>
           </a:xfrm>
           <a:prstGeom prst="rect">
             <a:avLst/>
           </a:prstGeom>
           <a:solidFill>
-            <a:schemeClr val="bg2">
-              <a:lumMod val="75000"/>
-            </a:schemeClr>
+            <a:schemeClr val="tx1"/>
           </a:solidFill>
         </p:spPr>
         <p:style>
@@ -5650,28 +6374,36 @@
           <a:bodyPr rtlCol="0" anchor="ctr"/>
           <a:lstStyle/>
           <a:p>
-            <a:pPr algn="ctr"/>
-            <a:endParaRPr lang="en-US"/>
-          </a:p>
-        </p:txBody>
-      </p:sp>
-      <p:sp>
-        <p:nvSpPr>
-          <p:cNvPr id="6" name="Rectangle 5"/>
+            <a:r>
+              <a:rPr lang="en-US" sz="2400" dirty="0" smtClean="0"/>
+              <a:t>Team GIDEON</a:t>
+            </a:r>
+            <a:endParaRPr lang="en-US" sz="2400" dirty="0"/>
+          </a:p>
+        </p:txBody>
+      </p:sp>
+      <p:sp>
+        <p:nvSpPr>
+          <p:cNvPr id="19" name="Rectangle 18"/>
           <p:cNvSpPr/>
           <p:nvPr/>
         </p:nvSpPr>
         <p:spPr>
           <a:xfrm>
-            <a:off x="2438400" y="6172200"/>
-            <a:ext cx="9753600" cy="685800"/>
+            <a:off x="203200" y="952500"/>
+            <a:ext cx="2019300" cy="508000"/>
           </a:xfrm>
           <a:prstGeom prst="rect">
             <a:avLst/>
           </a:prstGeom>
           <a:solidFill>
-            <a:schemeClr val="tx1"/>
+            <a:schemeClr val="bg2">
+              <a:lumMod val="50000"/>
+            </a:schemeClr>
           </a:solidFill>
+          <a:ln>
+            <a:noFill/>
+          </a:ln>
         </p:spPr>
         <p:style>
           <a:lnRef idx="2">
@@ -5693,113 +6425,10 @@
           <a:bodyPr rtlCol="0" anchor="ctr"/>
           <a:lstStyle/>
           <a:p>
-            <a:r>
-              <a:rPr lang="en-US" sz="2400" dirty="0" smtClean="0"/>
-              <a:t>Team GIDEON</a:t>
-            </a:r>
-            <a:endParaRPr lang="en-US" sz="2400" dirty="0"/>
-          </a:p>
-        </p:txBody>
-      </p:sp>
-      <p:sp>
-        <p:nvSpPr>
-          <p:cNvPr id="19" name="Rectangle 18"/>
-          <p:cNvSpPr/>
-          <p:nvPr/>
-        </p:nvSpPr>
-        <p:spPr>
-          <a:xfrm>
-            <a:off x="203200" y="952500"/>
-            <a:ext cx="2019300" cy="508000"/>
-          </a:xfrm>
-          <a:prstGeom prst="rect">
-            <a:avLst/>
-          </a:prstGeom>
-          <a:solidFill>
-            <a:schemeClr val="bg2">
-              <a:lumMod val="50000"/>
-            </a:schemeClr>
-          </a:solidFill>
-          <a:ln>
-            <a:noFill/>
-          </a:ln>
-        </p:spPr>
-        <p:style>
-          <a:lnRef idx="2">
-            <a:schemeClr val="accent1">
-              <a:shade val="50000"/>
-            </a:schemeClr>
-          </a:lnRef>
-          <a:fillRef idx="1">
-            <a:schemeClr val="accent1"/>
-          </a:fillRef>
-          <a:effectRef idx="0">
-            <a:schemeClr val="accent1"/>
-          </a:effectRef>
-          <a:fontRef idx="minor">
-            <a:schemeClr val="lt1"/>
-          </a:fontRef>
-        </p:style>
-        <p:txBody>
-          <a:bodyPr rtlCol="0" anchor="ctr"/>
-          <a:lstStyle/>
-          <a:p>
             <a:pPr algn="ctr"/>
             <a:r>
               <a:rPr lang="en-US" dirty="0" smtClean="0"/>
               <a:t>Snapshot</a:t>
-            </a:r>
-            <a:endParaRPr lang="en-US" dirty="0"/>
-          </a:p>
-        </p:txBody>
-      </p:sp>
-      <p:sp>
-        <p:nvSpPr>
-          <p:cNvPr id="20" name="Rectangle 19"/>
-          <p:cNvSpPr/>
-          <p:nvPr/>
-        </p:nvSpPr>
-        <p:spPr>
-          <a:xfrm>
-            <a:off x="203200" y="1549138"/>
-            <a:ext cx="2019300" cy="508000"/>
-          </a:xfrm>
-          <a:prstGeom prst="rect">
-            <a:avLst/>
-          </a:prstGeom>
-          <a:solidFill>
-            <a:schemeClr val="bg2">
-              <a:lumMod val="50000"/>
-            </a:schemeClr>
-          </a:solidFill>
-          <a:ln>
-            <a:noFill/>
-          </a:ln>
-        </p:spPr>
-        <p:style>
-          <a:lnRef idx="2">
-            <a:schemeClr val="accent1">
-              <a:shade val="50000"/>
-            </a:schemeClr>
-          </a:lnRef>
-          <a:fillRef idx="1">
-            <a:schemeClr val="accent1"/>
-          </a:fillRef>
-          <a:effectRef idx="0">
-            <a:schemeClr val="accent1"/>
-          </a:effectRef>
-          <a:fontRef idx="minor">
-            <a:schemeClr val="lt1"/>
-          </a:fontRef>
-        </p:style>
-        <p:txBody>
-          <a:bodyPr rtlCol="0" anchor="ctr"/>
-          <a:lstStyle/>
-          <a:p>
-            <a:pPr algn="ctr"/>
-            <a:r>
-              <a:rPr lang="en-US" dirty="0" smtClean="0"/>
-              <a:t>Mobility</a:t>
             </a:r>
             <a:endParaRPr lang="en-US" dirty="0"/>
           </a:p>
@@ -6158,6 +6787,164 @@
               <a:rPr lang="en-US" sz="1400" dirty="0"/>
               <a:t> growth cases in the country at the time the mobility data was captured. The slightly increasing activity at the parks indicate that lives are slowly going back to normal for Italians by May 2020 compared to its low during March and April.</a:t>
             </a:r>
+          </a:p>
+        </p:txBody>
+      </p:sp>
+      <p:sp>
+        <p:nvSpPr>
+          <p:cNvPr id="24" name="Rectangle 23"/>
+          <p:cNvSpPr/>
+          <p:nvPr/>
+        </p:nvSpPr>
+        <p:spPr>
+          <a:xfrm>
+            <a:off x="0" y="0"/>
+            <a:ext cx="12192000" cy="685800"/>
+          </a:xfrm>
+          <a:prstGeom prst="rect">
+            <a:avLst/>
+          </a:prstGeom>
+          <a:solidFill>
+            <a:schemeClr val="tx1"/>
+          </a:solidFill>
+        </p:spPr>
+        <p:style>
+          <a:lnRef idx="2">
+            <a:schemeClr val="accent1">
+              <a:shade val="50000"/>
+            </a:schemeClr>
+          </a:lnRef>
+          <a:fillRef idx="1">
+            <a:schemeClr val="accent1"/>
+          </a:fillRef>
+          <a:effectRef idx="0">
+            <a:schemeClr val="accent1"/>
+          </a:effectRef>
+          <a:fontRef idx="minor">
+            <a:schemeClr val="lt1"/>
+          </a:fontRef>
+        </p:style>
+        <p:txBody>
+          <a:bodyPr rtlCol="0" anchor="ctr"/>
+          <a:lstStyle/>
+          <a:p>
+            <a:r>
+              <a:rPr lang="en-US" sz="2400" dirty="0" smtClean="0">
+                <a:latin typeface="Roboto Condensed Light" panose="02000000000000000000" pitchFamily="2" charset="0"/>
+                <a:ea typeface="Roboto Condensed Light" panose="02000000000000000000" pitchFamily="2" charset="0"/>
+              </a:rPr>
+              <a:t>		Global </a:t>
+            </a:r>
+            <a:r>
+              <a:rPr lang="en-US" sz="2400" dirty="0" smtClean="0">
+                <a:latin typeface="Roboto Condensed Light" panose="02000000000000000000" pitchFamily="2" charset="0"/>
+                <a:ea typeface="Roboto Condensed Light" panose="02000000000000000000" pitchFamily="2" charset="0"/>
+              </a:rPr>
+              <a:t>Impact Detection from Emitted Light, Onset of COVID, and NO2</a:t>
+            </a:r>
+            <a:endParaRPr lang="en-US" sz="2400" dirty="0">
+              <a:latin typeface="Roboto Condensed Light" panose="02000000000000000000" pitchFamily="2" charset="0"/>
+              <a:ea typeface="Roboto Condensed Light" panose="02000000000000000000" pitchFamily="2" charset="0"/>
+            </a:endParaRPr>
+          </a:p>
+        </p:txBody>
+      </p:sp>
+      <p:pic>
+        <p:nvPicPr>
+          <p:cNvPr id="27" name="Picture 2" descr="http://localhost:8000/gqueers_space_apps/staging/images/logo.png"/>
+          <p:cNvPicPr>
+            <a:picLocks noChangeAspect="1" noChangeArrowheads="1"/>
+          </p:cNvPicPr>
+          <p:nvPr/>
+        </p:nvPicPr>
+        <p:blipFill>
+          <a:blip r:embed="rId7" cstate="print">
+            <a:extLst>
+              <a:ext uri="{28A0092B-C50C-407E-A947-70E740481C1C}">
+                <a14:useLocalDpi xmlns:a14="http://schemas.microsoft.com/office/drawing/2010/main" val="0"/>
+              </a:ext>
+            </a:extLst>
+          </a:blip>
+          <a:srcRect/>
+          <a:stretch>
+            <a:fillRect/>
+          </a:stretch>
+        </p:blipFill>
+        <p:spPr bwMode="auto">
+          <a:xfrm>
+            <a:off x="203200" y="167733"/>
+            <a:ext cx="1651000" cy="350334"/>
+          </a:xfrm>
+          <a:prstGeom prst="rect">
+            <a:avLst/>
+          </a:prstGeom>
+          <a:noFill/>
+          <a:extLst>
+            <a:ext uri="{909E8E84-426E-40DD-AFC4-6F175D3DCCD1}">
+              <a14:hiddenFill xmlns:a14="http://schemas.microsoft.com/office/drawing/2010/main">
+                <a:solidFill>
+                  <a:srgbClr val="FFFFFF"/>
+                </a:solidFill>
+              </a14:hiddenFill>
+            </a:ext>
+          </a:extLst>
+        </p:spPr>
+      </p:pic>
+      <p:sp>
+        <p:nvSpPr>
+          <p:cNvPr id="28" name="Rectangle 27"/>
+          <p:cNvSpPr/>
+          <p:nvPr/>
+        </p:nvSpPr>
+        <p:spPr>
+          <a:xfrm>
+            <a:off x="203200" y="1549138"/>
+            <a:ext cx="2019300" cy="508000"/>
+          </a:xfrm>
+          <a:prstGeom prst="rect">
+            <a:avLst/>
+          </a:prstGeom>
+          <a:solidFill>
+            <a:schemeClr val="bg2">
+              <a:lumMod val="50000"/>
+            </a:schemeClr>
+          </a:solidFill>
+          <a:ln>
+            <a:noFill/>
+          </a:ln>
+        </p:spPr>
+        <p:style>
+          <a:lnRef idx="2">
+            <a:schemeClr val="accent1">
+              <a:shade val="50000"/>
+            </a:schemeClr>
+          </a:lnRef>
+          <a:fillRef idx="1">
+            <a:schemeClr val="accent1"/>
+          </a:fillRef>
+          <a:effectRef idx="0">
+            <a:schemeClr val="accent1"/>
+          </a:effectRef>
+          <a:fontRef idx="minor">
+            <a:schemeClr val="lt1"/>
+          </a:fontRef>
+        </p:style>
+        <p:txBody>
+          <a:bodyPr rtlCol="0" anchor="ctr"/>
+          <a:lstStyle/>
+          <a:p>
+            <a:pPr algn="ctr"/>
+            <a:r>
+              <a:rPr lang="en-US" dirty="0" smtClean="0">
+                <a:latin typeface="Roboto Condensed Light" panose="02000000000000000000" pitchFamily="2" charset="0"/>
+                <a:ea typeface="Roboto Condensed Light" panose="02000000000000000000" pitchFamily="2" charset="0"/>
+              </a:rPr>
+              <a:t>COVID Situation</a:t>
+            </a:r>
+            <a:endParaRPr lang="en-US" dirty="0">
+              <a:latin typeface="Roboto Condensed Light" panose="02000000000000000000" pitchFamily="2" charset="0"/>
+              <a:ea typeface="Roboto Condensed Light" panose="02000000000000000000" pitchFamily="2" charset="0"/>
+            </a:endParaRPr>
           </a:p>
         </p:txBody>
       </p:sp>
